--- a/gradproj/Project/presentation/abstract_structure_on_transformer_based_ms_ms_spectrum_refining_model.pptx
+++ b/gradproj/Project/presentation/abstract_structure_on_transformer_based_ms_ms_spectrum_refining_model.pptx
@@ -5,7 +5,7 @@
     <p:sldMasterId id="2147483648" r:id="rId1"/>
   </p:sldMasterIdLst>
   <p:notesMasterIdLst>
-    <p:notesMasterId r:id="rId33"/>
+    <p:notesMasterId r:id="rId35"/>
   </p:notesMasterIdLst>
   <p:sldIdLst>
     <p:sldId id="257" r:id="rId2"/>
@@ -39,6 +39,8 @@
     <p:sldId id="366" r:id="rId30"/>
     <p:sldId id="367" r:id="rId31"/>
     <p:sldId id="368" r:id="rId32"/>
+    <p:sldId id="381" r:id="rId33"/>
+    <p:sldId id="382" r:id="rId34"/>
   </p:sldIdLst>
   <p:sldSz cx="12192000" cy="6858000"/>
   <p:notesSz cx="6858000" cy="9144000"/>
@@ -141,6 +143,9 @@
     <p:ext uri="{EFAFB233-063F-42B5-8137-9DF3F51BA10A}">
       <p15:sldGuideLst xmlns:p15="http://schemas.microsoft.com/office/powerpoint/2012/main"/>
     </p:ext>
+    <p:ext uri="{2D200454-40CA-4A62-9FC3-DE9A4176ACB9}">
+      <p15:notesGuideLst xmlns:p15="http://schemas.microsoft.com/office/powerpoint/2012/main"/>
+    </p:ext>
   </p:extLst>
 </p:presentation>
 </file>
@@ -227,7 +232,7 @@
           <a:p>
             <a:fld id="{43DE54DE-68C2-43A4-98FA-19AF5F626564}" type="datetimeFigureOut">
               <a:rPr lang="ko-KR" altLang="en-US" smtClean="0"/>
-              <a:t>2022-07-20</a:t>
+              <a:t>2022-07-21</a:t>
             </a:fld>
             <a:endParaRPr lang="ko-KR" altLang="en-US"/>
           </a:p>
@@ -626,7 +631,7 @@
           <a:p>
             <a:fld id="{33FF9007-1698-45B6-B621-6C3ACAC20E44}" type="datetimeFigureOut">
               <a:rPr lang="ko-KR" altLang="en-US" smtClean="0"/>
-              <a:t>2022-07-20</a:t>
+              <a:t>2022-07-21</a:t>
             </a:fld>
             <a:endParaRPr lang="ko-KR" altLang="en-US"/>
           </a:p>
@@ -796,7 +801,7 @@
           <a:p>
             <a:fld id="{33FF9007-1698-45B6-B621-6C3ACAC20E44}" type="datetimeFigureOut">
               <a:rPr lang="ko-KR" altLang="en-US" smtClean="0"/>
-              <a:t>2022-07-20</a:t>
+              <a:t>2022-07-21</a:t>
             </a:fld>
             <a:endParaRPr lang="ko-KR" altLang="en-US"/>
           </a:p>
@@ -976,7 +981,7 @@
           <a:p>
             <a:fld id="{33FF9007-1698-45B6-B621-6C3ACAC20E44}" type="datetimeFigureOut">
               <a:rPr lang="ko-KR" altLang="en-US" smtClean="0"/>
-              <a:t>2022-07-20</a:t>
+              <a:t>2022-07-21</a:t>
             </a:fld>
             <a:endParaRPr lang="ko-KR" altLang="en-US"/>
           </a:p>
@@ -1146,7 +1151,7 @@
           <a:p>
             <a:fld id="{33FF9007-1698-45B6-B621-6C3ACAC20E44}" type="datetimeFigureOut">
               <a:rPr lang="ko-KR" altLang="en-US" smtClean="0"/>
-              <a:t>2022-07-20</a:t>
+              <a:t>2022-07-21</a:t>
             </a:fld>
             <a:endParaRPr lang="ko-KR" altLang="en-US"/>
           </a:p>
@@ -1392,7 +1397,7 @@
           <a:p>
             <a:fld id="{33FF9007-1698-45B6-B621-6C3ACAC20E44}" type="datetimeFigureOut">
               <a:rPr lang="ko-KR" altLang="en-US" smtClean="0"/>
-              <a:t>2022-07-20</a:t>
+              <a:t>2022-07-21</a:t>
             </a:fld>
             <a:endParaRPr lang="ko-KR" altLang="en-US"/>
           </a:p>
@@ -1624,7 +1629,7 @@
           <a:p>
             <a:fld id="{33FF9007-1698-45B6-B621-6C3ACAC20E44}" type="datetimeFigureOut">
               <a:rPr lang="ko-KR" altLang="en-US" smtClean="0"/>
-              <a:t>2022-07-20</a:t>
+              <a:t>2022-07-21</a:t>
             </a:fld>
             <a:endParaRPr lang="ko-KR" altLang="en-US"/>
           </a:p>
@@ -1991,7 +1996,7 @@
           <a:p>
             <a:fld id="{33FF9007-1698-45B6-B621-6C3ACAC20E44}" type="datetimeFigureOut">
               <a:rPr lang="ko-KR" altLang="en-US" smtClean="0"/>
-              <a:t>2022-07-20</a:t>
+              <a:t>2022-07-21</a:t>
             </a:fld>
             <a:endParaRPr lang="ko-KR" altLang="en-US"/>
           </a:p>
@@ -2109,7 +2114,7 @@
           <a:p>
             <a:fld id="{33FF9007-1698-45B6-B621-6C3ACAC20E44}" type="datetimeFigureOut">
               <a:rPr lang="ko-KR" altLang="en-US" smtClean="0"/>
-              <a:t>2022-07-20</a:t>
+              <a:t>2022-07-21</a:t>
             </a:fld>
             <a:endParaRPr lang="ko-KR" altLang="en-US"/>
           </a:p>
@@ -2204,7 +2209,7 @@
           <a:p>
             <a:fld id="{33FF9007-1698-45B6-B621-6C3ACAC20E44}" type="datetimeFigureOut">
               <a:rPr lang="ko-KR" altLang="en-US" smtClean="0"/>
-              <a:t>2022-07-20</a:t>
+              <a:t>2022-07-21</a:t>
             </a:fld>
             <a:endParaRPr lang="ko-KR" altLang="en-US"/>
           </a:p>
@@ -2481,7 +2486,7 @@
           <a:p>
             <a:fld id="{33FF9007-1698-45B6-B621-6C3ACAC20E44}" type="datetimeFigureOut">
               <a:rPr lang="ko-KR" altLang="en-US" smtClean="0"/>
-              <a:t>2022-07-20</a:t>
+              <a:t>2022-07-21</a:t>
             </a:fld>
             <a:endParaRPr lang="ko-KR" altLang="en-US"/>
           </a:p>
@@ -2734,7 +2739,7 @@
           <a:p>
             <a:fld id="{33FF9007-1698-45B6-B621-6C3ACAC20E44}" type="datetimeFigureOut">
               <a:rPr lang="ko-KR" altLang="en-US" smtClean="0"/>
-              <a:t>2022-07-20</a:t>
+              <a:t>2022-07-21</a:t>
             </a:fld>
             <a:endParaRPr lang="ko-KR" altLang="en-US"/>
           </a:p>
@@ -2947,7 +2952,7 @@
           <a:p>
             <a:fld id="{33FF9007-1698-45B6-B621-6C3ACAC20E44}" type="datetimeFigureOut">
               <a:rPr lang="ko-KR" altLang="en-US" smtClean="0"/>
-              <a:t>2022-07-20</a:t>
+              <a:t>2022-07-21</a:t>
             </a:fld>
             <a:endParaRPr lang="ko-KR" altLang="en-US"/>
           </a:p>
@@ -3396,7 +3401,6 @@
               <a:rPr lang="en-US" altLang="ko-KR" sz="4000" dirty="0" smtClean="0"/>
               <a:t>Transformer-based MS/MS spectrum refining model</a:t>
             </a:r>
-            <a:endParaRPr lang="en-US" altLang="ko-KR" sz="4000" dirty="0" smtClean="0"/>
           </a:p>
           <a:p>
             <a:pPr algn="ctr"/>
@@ -4176,8 +4180,8 @@
           </a:p>
         </p:txBody>
       </p:sp>
-      <mc:AlternateContent xmlns:mc="http://schemas.openxmlformats.org/markup-compatibility/2006">
-        <mc:Choice xmlns:a14="http://schemas.microsoft.com/office/drawing/2010/main" Requires="a14">
+      <mc:AlternateContent xmlns:mc="http://schemas.openxmlformats.org/markup-compatibility/2006" xmlns:a14="http://schemas.microsoft.com/office/drawing/2010/main">
+        <mc:Choice Requires="a14">
           <p:sp>
             <p:nvSpPr>
               <p:cNvPr id="11" name="직사각형 10"/>
@@ -5653,7 +5657,7 @@
             </p:txBody>
           </p:sp>
         </mc:Choice>
-        <mc:Fallback>
+        <mc:Fallback xmlns="">
           <p:sp>
             <p:nvSpPr>
               <p:cNvPr id="11" name="직사각형 10"/>
@@ -5975,8 +5979,8 @@
           </a:p>
         </p:txBody>
       </p:sp>
-      <mc:AlternateContent xmlns:mc="http://schemas.openxmlformats.org/markup-compatibility/2006">
-        <mc:Choice xmlns:a14="http://schemas.microsoft.com/office/drawing/2010/main" Requires="a14">
+      <mc:AlternateContent xmlns:mc="http://schemas.openxmlformats.org/markup-compatibility/2006" xmlns:a14="http://schemas.microsoft.com/office/drawing/2010/main">
+        <mc:Choice Requires="a14">
           <p:sp>
             <p:nvSpPr>
               <p:cNvPr id="6" name="직사각형 5"/>
@@ -7452,7 +7456,7 @@
             </p:txBody>
           </p:sp>
         </mc:Choice>
-        <mc:Fallback>
+        <mc:Fallback xmlns="">
           <p:sp>
             <p:nvSpPr>
               <p:cNvPr id="6" name="직사각형 5"/>
@@ -7885,8 +7889,8 @@
           </a:p>
         </p:txBody>
       </p:sp>
-      <mc:AlternateContent xmlns:mc="http://schemas.openxmlformats.org/markup-compatibility/2006">
-        <mc:Choice xmlns:a14="http://schemas.microsoft.com/office/drawing/2010/main" Requires="a14">
+      <mc:AlternateContent xmlns:mc="http://schemas.openxmlformats.org/markup-compatibility/2006" xmlns:a14="http://schemas.microsoft.com/office/drawing/2010/main">
+        <mc:Choice Requires="a14">
           <p:sp>
             <p:nvSpPr>
               <p:cNvPr id="6" name="직사각형 5"/>
@@ -9362,7 +9366,7 @@
             </p:txBody>
           </p:sp>
         </mc:Choice>
-        <mc:Fallback>
+        <mc:Fallback xmlns="">
           <p:sp>
             <p:nvSpPr>
               <p:cNvPr id="6" name="직사각형 5"/>
@@ -9888,8 +9892,8 @@
           </a:p>
         </p:txBody>
       </p:sp>
-      <mc:AlternateContent xmlns:mc="http://schemas.openxmlformats.org/markup-compatibility/2006">
-        <mc:Choice xmlns:a14="http://schemas.microsoft.com/office/drawing/2010/main" Requires="a14">
+      <mc:AlternateContent xmlns:mc="http://schemas.openxmlformats.org/markup-compatibility/2006" xmlns:a14="http://schemas.microsoft.com/office/drawing/2010/main">
+        <mc:Choice Requires="a14">
           <p:sp>
             <p:nvSpPr>
               <p:cNvPr id="6" name="직사각형 5"/>
@@ -11365,7 +11369,7 @@
             </p:txBody>
           </p:sp>
         </mc:Choice>
-        <mc:Fallback>
+        <mc:Fallback xmlns="">
           <p:sp>
             <p:nvSpPr>
               <p:cNvPr id="6" name="직사각형 5"/>
@@ -11613,8 +11617,8 @@
           </a:p>
         </p:txBody>
       </p:sp>
-      <mc:AlternateContent xmlns:mc="http://schemas.openxmlformats.org/markup-compatibility/2006">
-        <mc:Choice xmlns:a14="http://schemas.microsoft.com/office/drawing/2010/main" Requires="a14">
+      <mc:AlternateContent xmlns:mc="http://schemas.openxmlformats.org/markup-compatibility/2006" xmlns:a14="http://schemas.microsoft.com/office/drawing/2010/main">
+        <mc:Choice Requires="a14">
           <p:sp>
             <p:nvSpPr>
               <p:cNvPr id="11" name="직사각형 10"/>
@@ -12645,7 +12649,7 @@
             </p:txBody>
           </p:sp>
         </mc:Choice>
-        <mc:Fallback>
+        <mc:Fallback xmlns="">
           <p:sp>
             <p:nvSpPr>
               <p:cNvPr id="11" name="직사각형 10"/>
@@ -12893,8 +12897,8 @@
           </a:p>
         </p:txBody>
       </p:sp>
-      <mc:AlternateContent xmlns:mc="http://schemas.openxmlformats.org/markup-compatibility/2006">
-        <mc:Choice xmlns:a14="http://schemas.microsoft.com/office/drawing/2010/main" Requires="a14">
+      <mc:AlternateContent xmlns:mc="http://schemas.openxmlformats.org/markup-compatibility/2006" xmlns:a14="http://schemas.microsoft.com/office/drawing/2010/main">
+        <mc:Choice Requires="a14">
           <p:sp>
             <p:nvSpPr>
               <p:cNvPr id="11" name="직사각형 10"/>
@@ -13925,7 +13929,7 @@
             </p:txBody>
           </p:sp>
         </mc:Choice>
-        <mc:Fallback>
+        <mc:Fallback xmlns="">
           <p:sp>
             <p:nvSpPr>
               <p:cNvPr id="11" name="직사각형 10"/>
@@ -14294,8 +14298,8 @@
           </a:p>
         </p:txBody>
       </p:sp>
-      <mc:AlternateContent xmlns:mc="http://schemas.openxmlformats.org/markup-compatibility/2006">
-        <mc:Choice xmlns:a14="http://schemas.microsoft.com/office/drawing/2010/main" Requires="a14">
+      <mc:AlternateContent xmlns:mc="http://schemas.openxmlformats.org/markup-compatibility/2006" xmlns:a14="http://schemas.microsoft.com/office/drawing/2010/main">
+        <mc:Choice Requires="a14">
           <p:sp>
             <p:nvSpPr>
               <p:cNvPr id="13" name="직사각형 12"/>
@@ -15326,7 +15330,7 @@
             </p:txBody>
           </p:sp>
         </mc:Choice>
-        <mc:Fallback>
+        <mc:Fallback xmlns="">
           <p:sp>
             <p:nvSpPr>
               <p:cNvPr id="13" name="직사각형 12"/>
@@ -15910,8 +15914,8 @@
           </a:p>
         </p:txBody>
       </p:sp>
-      <mc:AlternateContent xmlns:mc="http://schemas.openxmlformats.org/markup-compatibility/2006">
-        <mc:Choice xmlns:a14="http://schemas.microsoft.com/office/drawing/2010/main" Requires="a14">
+      <mc:AlternateContent xmlns:mc="http://schemas.openxmlformats.org/markup-compatibility/2006" xmlns:a14="http://schemas.microsoft.com/office/drawing/2010/main">
+        <mc:Choice Requires="a14">
           <p:sp>
             <p:nvSpPr>
               <p:cNvPr id="13" name="직사각형 12"/>
@@ -16942,7 +16946,7 @@
             </p:txBody>
           </p:sp>
         </mc:Choice>
-        <mc:Fallback>
+        <mc:Fallback xmlns="">
           <p:sp>
             <p:nvSpPr>
               <p:cNvPr id="13" name="직사각형 12"/>
@@ -17560,8 +17564,8 @@
           </a:p>
         </p:txBody>
       </p:sp>
-      <mc:AlternateContent xmlns:mc="http://schemas.openxmlformats.org/markup-compatibility/2006">
-        <mc:Choice xmlns:a14="http://schemas.microsoft.com/office/drawing/2010/main" Requires="a14">
+      <mc:AlternateContent xmlns:mc="http://schemas.openxmlformats.org/markup-compatibility/2006" xmlns:a14="http://schemas.microsoft.com/office/drawing/2010/main">
+        <mc:Choice Requires="a14">
           <p:sp>
             <p:nvSpPr>
               <p:cNvPr id="13" name="직사각형 12"/>
@@ -18592,7 +18596,7 @@
             </p:txBody>
           </p:sp>
         </mc:Choice>
-        <mc:Fallback>
+        <mc:Fallback xmlns="">
           <p:sp>
             <p:nvSpPr>
               <p:cNvPr id="13" name="직사각형 12"/>
@@ -23640,8 +23644,8 @@
           </a:p>
         </p:txBody>
       </p:sp>
-      <mc:AlternateContent xmlns:mc="http://schemas.openxmlformats.org/markup-compatibility/2006">
-        <mc:Choice xmlns:a14="http://schemas.microsoft.com/office/drawing/2010/main" Requires="a14">
+      <mc:AlternateContent xmlns:mc="http://schemas.openxmlformats.org/markup-compatibility/2006" xmlns:a14="http://schemas.microsoft.com/office/drawing/2010/main">
+        <mc:Choice Requires="a14">
           <p:sp>
             <p:nvSpPr>
               <p:cNvPr id="18" name="직사각형 17"/>
@@ -23881,7 +23885,7 @@
             </p:txBody>
           </p:sp>
         </mc:Choice>
-        <mc:Fallback>
+        <mc:Fallback xmlns="">
           <p:sp>
             <p:nvSpPr>
               <p:cNvPr id="18" name="직사각형 17"/>
@@ -24575,8 +24579,8 @@
           </a:p>
         </p:txBody>
       </p:sp>
-      <mc:AlternateContent xmlns:mc="http://schemas.openxmlformats.org/markup-compatibility/2006">
-        <mc:Choice xmlns:a14="http://schemas.microsoft.com/office/drawing/2010/main" Requires="a14">
+      <mc:AlternateContent xmlns:mc="http://schemas.openxmlformats.org/markup-compatibility/2006" xmlns:a14="http://schemas.microsoft.com/office/drawing/2010/main">
+        <mc:Choice Requires="a14">
           <p:sp>
             <p:nvSpPr>
               <p:cNvPr id="18" name="직사각형 17"/>
@@ -24816,7 +24820,7 @@
             </p:txBody>
           </p:sp>
         </mc:Choice>
-        <mc:Fallback>
+        <mc:Fallback xmlns="">
           <p:sp>
             <p:nvSpPr>
               <p:cNvPr id="18" name="직사각형 17"/>
@@ -24860,8 +24864,8 @@
           </p:sp>
         </mc:Fallback>
       </mc:AlternateContent>
-      <mc:AlternateContent xmlns:mc="http://schemas.openxmlformats.org/markup-compatibility/2006">
-        <mc:Choice xmlns:a14="http://schemas.microsoft.com/office/drawing/2010/main" Requires="a14">
+      <mc:AlternateContent xmlns:mc="http://schemas.openxmlformats.org/markup-compatibility/2006" xmlns:a14="http://schemas.microsoft.com/office/drawing/2010/main">
+        <mc:Choice Requires="a14">
           <p:sp>
             <p:nvSpPr>
               <p:cNvPr id="17" name="직사각형 16"/>
@@ -25974,7 +25978,7 @@
             </p:txBody>
           </p:sp>
         </mc:Choice>
-        <mc:Fallback>
+        <mc:Fallback xmlns="">
           <p:sp>
             <p:nvSpPr>
               <p:cNvPr id="17" name="직사각형 16"/>
@@ -26018,8 +26022,8 @@
           </p:sp>
         </mc:Fallback>
       </mc:AlternateContent>
-      <mc:AlternateContent xmlns:mc="http://schemas.openxmlformats.org/markup-compatibility/2006">
-        <mc:Choice xmlns:a14="http://schemas.microsoft.com/office/drawing/2010/main" Requires="a14">
+      <mc:AlternateContent xmlns:mc="http://schemas.openxmlformats.org/markup-compatibility/2006" xmlns:a14="http://schemas.microsoft.com/office/drawing/2010/main">
+        <mc:Choice Requires="a14">
           <p:sp>
             <p:nvSpPr>
               <p:cNvPr id="4" name="직사각형 3"/>
@@ -26276,7 +26280,7 @@
             </p:txBody>
           </p:sp>
         </mc:Choice>
-        <mc:Fallback>
+        <mc:Fallback xmlns="">
           <p:sp>
             <p:nvSpPr>
               <p:cNvPr id="4" name="직사각형 3"/>
@@ -26970,8 +26974,8 @@
           </a:p>
         </p:txBody>
       </p:sp>
-      <mc:AlternateContent xmlns:mc="http://schemas.openxmlformats.org/markup-compatibility/2006">
-        <mc:Choice xmlns:a14="http://schemas.microsoft.com/office/drawing/2010/main" Requires="a14">
+      <mc:AlternateContent xmlns:mc="http://schemas.openxmlformats.org/markup-compatibility/2006" xmlns:a14="http://schemas.microsoft.com/office/drawing/2010/main">
+        <mc:Choice Requires="a14">
           <p:sp>
             <p:nvSpPr>
               <p:cNvPr id="18" name="직사각형 17"/>
@@ -27211,7 +27215,7 @@
             </p:txBody>
           </p:sp>
         </mc:Choice>
-        <mc:Fallback>
+        <mc:Fallback xmlns="">
           <p:sp>
             <p:nvSpPr>
               <p:cNvPr id="18" name="직사각형 17"/>
@@ -27255,8 +27259,8 @@
           </p:sp>
         </mc:Fallback>
       </mc:AlternateContent>
-      <mc:AlternateContent xmlns:mc="http://schemas.openxmlformats.org/markup-compatibility/2006">
-        <mc:Choice xmlns:a14="http://schemas.microsoft.com/office/drawing/2010/main" Requires="a14">
+      <mc:AlternateContent xmlns:mc="http://schemas.openxmlformats.org/markup-compatibility/2006" xmlns:a14="http://schemas.microsoft.com/office/drawing/2010/main">
+        <mc:Choice Requires="a14">
           <p:sp>
             <p:nvSpPr>
               <p:cNvPr id="21" name="직사각형 20"/>
@@ -28369,7 +28373,7 @@
             </p:txBody>
           </p:sp>
         </mc:Choice>
-        <mc:Fallback>
+        <mc:Fallback xmlns="">
           <p:sp>
             <p:nvSpPr>
               <p:cNvPr id="21" name="직사각형 20"/>
@@ -28413,8 +28417,8 @@
           </p:sp>
         </mc:Fallback>
       </mc:AlternateContent>
-      <mc:AlternateContent xmlns:mc="http://schemas.openxmlformats.org/markup-compatibility/2006">
-        <mc:Choice xmlns:a14="http://schemas.microsoft.com/office/drawing/2010/main" Requires="a14">
+      <mc:AlternateContent xmlns:mc="http://schemas.openxmlformats.org/markup-compatibility/2006" xmlns:a14="http://schemas.microsoft.com/office/drawing/2010/main">
+        <mc:Choice Requires="a14">
           <p:sp>
             <p:nvSpPr>
               <p:cNvPr id="5" name="직사각형 4"/>
@@ -28511,7 +28515,7 @@
             </p:txBody>
           </p:sp>
         </mc:Choice>
-        <mc:Fallback>
+        <mc:Fallback xmlns="">
           <p:sp>
             <p:nvSpPr>
               <p:cNvPr id="5" name="직사각형 4"/>
@@ -28555,8 +28559,8 @@
           </p:sp>
         </mc:Fallback>
       </mc:AlternateContent>
-      <mc:AlternateContent xmlns:mc="http://schemas.openxmlformats.org/markup-compatibility/2006">
-        <mc:Choice xmlns:a14="http://schemas.microsoft.com/office/drawing/2010/main" Requires="a14">
+      <mc:AlternateContent xmlns:mc="http://schemas.openxmlformats.org/markup-compatibility/2006" xmlns:a14="http://schemas.microsoft.com/office/drawing/2010/main">
+        <mc:Choice Requires="a14">
           <p:sp>
             <p:nvSpPr>
               <p:cNvPr id="4" name="직사각형 3"/>
@@ -28813,7 +28817,7 @@
             </p:txBody>
           </p:sp>
         </mc:Choice>
-        <mc:Fallback>
+        <mc:Fallback xmlns="">
           <p:sp>
             <p:nvSpPr>
               <p:cNvPr id="4" name="직사각형 3"/>
@@ -29238,679 +29242,8 @@
           </a:p>
         </p:txBody>
       </p:sp>
-      <mc:AlternateContent xmlns:mc="http://schemas.openxmlformats.org/markup-compatibility/2006">
-        <mc:Choice xmlns:a14="http://schemas.microsoft.com/office/drawing/2010/main" Requires="a14">
-          <p:sp>
-            <p:nvSpPr>
-              <p:cNvPr id="8" name="직사각형 7"/>
-              <p:cNvSpPr/>
-              <p:nvPr/>
-            </p:nvSpPr>
-            <p:spPr>
-              <a:xfrm>
-                <a:off x="9384145" y="4046745"/>
-                <a:ext cx="2538909" cy="2141035"/>
-              </a:xfrm>
-              <a:prstGeom prst="rect">
-                <a:avLst/>
-              </a:prstGeom>
-              <a:solidFill>
-                <a:srgbClr val="CCFFCC"/>
-              </a:solidFill>
-              <a:ln>
-                <a:solidFill>
-                  <a:schemeClr val="tx1"/>
-                </a:solidFill>
-              </a:ln>
-            </p:spPr>
-            <p:style>
-              <a:lnRef idx="2">
-                <a:schemeClr val="accent1">
-                  <a:shade val="50000"/>
-                </a:schemeClr>
-              </a:lnRef>
-              <a:fillRef idx="1">
-                <a:schemeClr val="accent1"/>
-              </a:fillRef>
-              <a:effectRef idx="0">
-                <a:schemeClr val="accent1"/>
-              </a:effectRef>
-              <a:fontRef idx="minor">
-                <a:schemeClr val="lt1"/>
-              </a:fontRef>
-            </p:style>
-            <p:txBody>
-              <a:bodyPr rtlCol="0" anchor="ctr"/>
-              <a:lstStyle/>
-              <a:p>
-                <a:pPr algn="ctr"/>
-                <a:r>
-                  <a:rPr lang="en-US" altLang="ko-KR" dirty="0" smtClean="0">
-                    <a:solidFill>
-                      <a:schemeClr val="tx1"/>
-                    </a:solidFill>
-                  </a:rPr>
-                  <a:t>Example :</a:t>
-                </a:r>
-              </a:p>
-              <a:p>
-                <a:pPr algn="ctr"/>
-                <a:r>
-                  <a:rPr lang="en-US" altLang="ko-KR" dirty="0" smtClean="0">
-                    <a:solidFill>
-                      <a:schemeClr val="tx1"/>
-                    </a:solidFill>
-                  </a:rPr>
-                  <a:t>SEQ = ‘</a:t>
-                </a:r>
-                <a:r>
-                  <a:rPr lang="en-US" altLang="ko-KR" dirty="0" err="1" smtClean="0">
-                    <a:solidFill>
-                      <a:schemeClr val="tx1"/>
-                    </a:solidFill>
-                  </a:rPr>
-                  <a:t>abcd</a:t>
-                </a:r>
-                <a:r>
-                  <a:rPr lang="en-US" altLang="ko-KR" dirty="0" smtClean="0">
-                    <a:solidFill>
-                      <a:schemeClr val="tx1"/>
-                    </a:solidFill>
-                  </a:rPr>
-                  <a:t>’</a:t>
-                </a:r>
-              </a:p>
-              <a:p>
-                <a:pPr algn="ctr"/>
-                <a14:m>
-                  <m:oMathPara xmlns:m="http://schemas.openxmlformats.org/officeDocument/2006/math">
-                    <m:oMathParaPr>
-                      <m:jc m:val="centerGroup"/>
-                    </m:oMathParaPr>
-                    <m:oMath xmlns:m="http://schemas.openxmlformats.org/officeDocument/2006/math">
-                      <m:r>
-                        <a:rPr lang="en-US" altLang="ko-KR" b="0" i="1" smtClean="0">
-                          <a:solidFill>
-                            <a:schemeClr val="tx1"/>
-                          </a:solidFill>
-                          <a:latin typeface="Cambria Math" panose="02040503050406030204" pitchFamily="18" charset="0"/>
-                        </a:rPr>
-                        <m:t>[</m:t>
-                      </m:r>
-                      <m:d>
-                        <m:dPr>
-                          <m:begChr m:val="["/>
-                          <m:endChr m:val="]"/>
-                          <m:ctrlPr>
-                            <a:rPr lang="en-US" altLang="ko-KR" b="0" i="1" smtClean="0">
-                              <a:solidFill>
-                                <a:schemeClr val="tx1"/>
-                              </a:solidFill>
-                              <a:latin typeface="Cambria Math" panose="02040503050406030204" pitchFamily="18" charset="0"/>
-                            </a:rPr>
-                          </m:ctrlPr>
-                        </m:dPr>
-                        <m:e>
-                          <m:sSub>
-                            <m:sSubPr>
-                              <m:ctrlPr>
-                                <a:rPr lang="en-US" altLang="ko-KR" b="0" i="1" smtClean="0">
-                                  <a:solidFill>
-                                    <a:schemeClr val="tx1"/>
-                                  </a:solidFill>
-                                  <a:latin typeface="Cambria Math" panose="02040503050406030204" pitchFamily="18" charset="0"/>
-                                </a:rPr>
-                              </m:ctrlPr>
-                            </m:sSubPr>
-                            <m:e>
-                              <m:sSub>
-                                <m:sSubPr>
-                                  <m:ctrlPr>
-                                    <a:rPr lang="en-US" altLang="ko-KR" b="0" i="1" smtClean="0">
-                                      <a:solidFill>
-                                        <a:schemeClr val="tx1"/>
-                                      </a:solidFill>
-                                      <a:latin typeface="Cambria Math" panose="02040503050406030204" pitchFamily="18" charset="0"/>
-                                    </a:rPr>
-                                  </m:ctrlPr>
-                                </m:sSubPr>
-                                <m:e>
-                                  <m:r>
-                                    <a:rPr lang="en-US" altLang="ko-KR" b="0" i="1" smtClean="0">
-                                      <a:solidFill>
-                                        <a:schemeClr val="tx1"/>
-                                      </a:solidFill>
-                                      <a:latin typeface="Cambria Math" panose="02040503050406030204" pitchFamily="18" charset="0"/>
-                                    </a:rPr>
-                                    <m:t>𝑎</m:t>
-                                  </m:r>
-                                </m:e>
-                                <m:sub>
-                                  <m:r>
-                                    <a:rPr lang="en-US" altLang="ko-KR" b="0" i="1" smtClean="0">
-                                      <a:solidFill>
-                                        <a:schemeClr val="tx1"/>
-                                      </a:solidFill>
-                                      <a:latin typeface="Cambria Math" panose="02040503050406030204" pitchFamily="18" charset="0"/>
-                                    </a:rPr>
-                                    <m:t>𝑚</m:t>
-                                  </m:r>
-                                </m:sub>
-                              </m:sSub>
-                            </m:e>
-                            <m:sub>
-                              <m:r>
-                                <a:rPr lang="en-US" altLang="ko-KR" b="0" i="1" smtClean="0">
-                                  <a:solidFill>
-                                    <a:schemeClr val="tx1"/>
-                                  </a:solidFill>
-                                  <a:latin typeface="Cambria Math" panose="02040503050406030204" pitchFamily="18" charset="0"/>
-                                </a:rPr>
-                                <m:t>𝑖𝑛𝑡</m:t>
-                              </m:r>
-                            </m:sub>
-                          </m:sSub>
-                          <m:r>
-                            <a:rPr lang="en-US" altLang="ko-KR" b="0" i="1" smtClean="0">
-                              <a:solidFill>
-                                <a:schemeClr val="tx1"/>
-                              </a:solidFill>
-                              <a:latin typeface="Cambria Math" panose="02040503050406030204" pitchFamily="18" charset="0"/>
-                            </a:rPr>
-                            <m:t>, </m:t>
-                          </m:r>
-                          <m:sSub>
-                            <m:sSubPr>
-                              <m:ctrlPr>
-                                <a:rPr lang="en-US" altLang="ko-KR" b="0" i="1" smtClean="0">
-                                  <a:solidFill>
-                                    <a:schemeClr val="tx1"/>
-                                  </a:solidFill>
-                                  <a:latin typeface="Cambria Math" panose="02040503050406030204" pitchFamily="18" charset="0"/>
-                                </a:rPr>
-                              </m:ctrlPr>
-                            </m:sSubPr>
-                            <m:e>
-                              <m:r>
-                                <a:rPr lang="en-US" altLang="ko-KR" b="0" i="1" smtClean="0">
-                                  <a:solidFill>
-                                    <a:schemeClr val="tx1"/>
-                                  </a:solidFill>
-                                  <a:latin typeface="Cambria Math" panose="02040503050406030204" pitchFamily="18" charset="0"/>
-                                </a:rPr>
-                                <m:t>𝑎</m:t>
-                              </m:r>
-                            </m:e>
-                            <m:sub>
-                              <m:sSub>
-                                <m:sSubPr>
-                                  <m:ctrlPr>
-                                    <a:rPr lang="en-US" altLang="ko-KR" b="0" i="1" smtClean="0">
-                                      <a:solidFill>
-                                        <a:schemeClr val="tx1"/>
-                                      </a:solidFill>
-                                      <a:latin typeface="Cambria Math" panose="02040503050406030204" pitchFamily="18" charset="0"/>
-                                    </a:rPr>
-                                  </m:ctrlPr>
-                                </m:sSubPr>
-                                <m:e>
-                                  <m:r>
-                                    <a:rPr lang="en-US" altLang="ko-KR" b="0" i="1" smtClean="0">
-                                      <a:solidFill>
-                                        <a:schemeClr val="tx1"/>
-                                      </a:solidFill>
-                                      <a:latin typeface="Cambria Math" panose="02040503050406030204" pitchFamily="18" charset="0"/>
-                                    </a:rPr>
-                                    <m:t>𝑚</m:t>
-                                  </m:r>
-                                </m:e>
-                                <m:sub>
-                                  <m:r>
-                                    <a:rPr lang="en-US" altLang="ko-KR" b="0" i="1" smtClean="0">
-                                      <a:solidFill>
-                                        <a:schemeClr val="tx1"/>
-                                      </a:solidFill>
-                                      <a:latin typeface="Cambria Math" panose="02040503050406030204" pitchFamily="18" charset="0"/>
-                                    </a:rPr>
-                                    <m:t>𝑓𝑙𝑜𝑎𝑡</m:t>
-                                  </m:r>
-                                </m:sub>
-                              </m:sSub>
-                            </m:sub>
-                          </m:sSub>
-                          <m:r>
-                            <a:rPr lang="en-US" altLang="ko-KR" b="0" i="1" smtClean="0">
-                              <a:solidFill>
-                                <a:schemeClr val="tx1"/>
-                              </a:solidFill>
-                              <a:latin typeface="Cambria Math" panose="02040503050406030204" pitchFamily="18" charset="0"/>
-                            </a:rPr>
-                            <m:t> </m:t>
-                          </m:r>
-                        </m:e>
-                      </m:d>
-                    </m:oMath>
-                  </m:oMathPara>
-                </a14:m>
-                <a:endParaRPr lang="en-US" altLang="ko-KR" b="0" dirty="0" smtClean="0">
-                  <a:solidFill>
-                    <a:schemeClr val="tx1"/>
-                  </a:solidFill>
-                </a:endParaRPr>
-              </a:p>
-              <a:p>
-                <a:pPr algn="ctr"/>
-                <a14:m>
-                  <m:oMathPara xmlns:m="http://schemas.openxmlformats.org/officeDocument/2006/math">
-                    <m:oMathParaPr>
-                      <m:jc m:val="centerGroup"/>
-                    </m:oMathParaPr>
-                    <m:oMath xmlns:m="http://schemas.openxmlformats.org/officeDocument/2006/math">
-                      <m:d>
-                        <m:dPr>
-                          <m:begChr m:val="["/>
-                          <m:endChr m:val="]"/>
-                          <m:ctrlPr>
-                            <a:rPr lang="en-US" altLang="ko-KR" b="0" i="1" smtClean="0">
-                              <a:solidFill>
-                                <a:schemeClr val="tx1"/>
-                              </a:solidFill>
-                              <a:latin typeface="Cambria Math" panose="02040503050406030204" pitchFamily="18" charset="0"/>
-                            </a:rPr>
-                          </m:ctrlPr>
-                        </m:dPr>
-                        <m:e>
-                          <m:r>
-                            <a:rPr lang="en-US" altLang="ko-KR" b="0" i="1" smtClean="0">
-                              <a:solidFill>
-                                <a:schemeClr val="tx1"/>
-                              </a:solidFill>
-                              <a:latin typeface="Cambria Math" panose="02040503050406030204" pitchFamily="18" charset="0"/>
-                            </a:rPr>
-                            <m:t>𝑎</m:t>
-                          </m:r>
-                          <m:sSub>
-                            <m:sSubPr>
-                              <m:ctrlPr>
-                                <a:rPr lang="en-US" altLang="ko-KR" b="0" i="1" smtClean="0">
-                                  <a:solidFill>
-                                    <a:schemeClr val="tx1"/>
-                                  </a:solidFill>
-                                  <a:latin typeface="Cambria Math" panose="02040503050406030204" pitchFamily="18" charset="0"/>
-                                </a:rPr>
-                              </m:ctrlPr>
-                            </m:sSubPr>
-                            <m:e>
-                              <m:r>
-                                <a:rPr lang="en-US" altLang="ko-KR" b="0" i="1" smtClean="0">
-                                  <a:solidFill>
-                                    <a:schemeClr val="tx1"/>
-                                  </a:solidFill>
-                                  <a:latin typeface="Cambria Math" panose="02040503050406030204" pitchFamily="18" charset="0"/>
-                                </a:rPr>
-                                <m:t>𝑏</m:t>
-                              </m:r>
-                            </m:e>
-                            <m:sub>
-                              <m:sSub>
-                                <m:sSubPr>
-                                  <m:ctrlPr>
-                                    <a:rPr lang="en-US" altLang="ko-KR" b="0" i="1" smtClean="0">
-                                      <a:solidFill>
-                                        <a:schemeClr val="tx1"/>
-                                      </a:solidFill>
-                                      <a:latin typeface="Cambria Math" panose="02040503050406030204" pitchFamily="18" charset="0"/>
-                                    </a:rPr>
-                                  </m:ctrlPr>
-                                </m:sSubPr>
-                                <m:e>
-                                  <m:r>
-                                    <a:rPr lang="en-US" altLang="ko-KR" b="0" i="1" smtClean="0">
-                                      <a:solidFill>
-                                        <a:schemeClr val="tx1"/>
-                                      </a:solidFill>
-                                      <a:latin typeface="Cambria Math" panose="02040503050406030204" pitchFamily="18" charset="0"/>
-                                    </a:rPr>
-                                    <m:t>𝑚</m:t>
-                                  </m:r>
-                                </m:e>
-                                <m:sub>
-                                  <m:r>
-                                    <a:rPr lang="en-US" altLang="ko-KR" b="0" i="1" smtClean="0">
-                                      <a:solidFill>
-                                        <a:schemeClr val="tx1"/>
-                                      </a:solidFill>
-                                      <a:latin typeface="Cambria Math" panose="02040503050406030204" pitchFamily="18" charset="0"/>
-                                    </a:rPr>
-                                    <m:t>𝑖𝑛𝑡</m:t>
-                                  </m:r>
-                                </m:sub>
-                              </m:sSub>
-                            </m:sub>
-                          </m:sSub>
-                          <m:r>
-                            <a:rPr lang="en-US" altLang="ko-KR" b="0" i="1" smtClean="0">
-                              <a:solidFill>
-                                <a:schemeClr val="tx1"/>
-                              </a:solidFill>
-                              <a:latin typeface="Cambria Math" panose="02040503050406030204" pitchFamily="18" charset="0"/>
-                            </a:rPr>
-                            <m:t>, </m:t>
-                          </m:r>
-                          <m:r>
-                            <a:rPr lang="en-US" altLang="ko-KR" b="0" i="1" smtClean="0">
-                              <a:solidFill>
-                                <a:schemeClr val="tx1"/>
-                              </a:solidFill>
-                              <a:latin typeface="Cambria Math" panose="02040503050406030204" pitchFamily="18" charset="0"/>
-                            </a:rPr>
-                            <m:t>𝑎</m:t>
-                          </m:r>
-                          <m:sSub>
-                            <m:sSubPr>
-                              <m:ctrlPr>
-                                <a:rPr lang="en-US" altLang="ko-KR" b="0" i="1" smtClean="0">
-                                  <a:solidFill>
-                                    <a:schemeClr val="tx1"/>
-                                  </a:solidFill>
-                                  <a:latin typeface="Cambria Math" panose="02040503050406030204" pitchFamily="18" charset="0"/>
-                                </a:rPr>
-                              </m:ctrlPr>
-                            </m:sSubPr>
-                            <m:e>
-                              <m:r>
-                                <a:rPr lang="en-US" altLang="ko-KR" b="0" i="1" smtClean="0">
-                                  <a:solidFill>
-                                    <a:schemeClr val="tx1"/>
-                                  </a:solidFill>
-                                  <a:latin typeface="Cambria Math" panose="02040503050406030204" pitchFamily="18" charset="0"/>
-                                </a:rPr>
-                                <m:t>𝑏</m:t>
-                              </m:r>
-                            </m:e>
-                            <m:sub>
-                              <m:sSub>
-                                <m:sSubPr>
-                                  <m:ctrlPr>
-                                    <a:rPr lang="en-US" altLang="ko-KR" b="0" i="1" smtClean="0">
-                                      <a:solidFill>
-                                        <a:schemeClr val="tx1"/>
-                                      </a:solidFill>
-                                      <a:latin typeface="Cambria Math" panose="02040503050406030204" pitchFamily="18" charset="0"/>
-                                    </a:rPr>
-                                  </m:ctrlPr>
-                                </m:sSubPr>
-                                <m:e>
-                                  <m:r>
-                                    <a:rPr lang="en-US" altLang="ko-KR" b="0" i="1" smtClean="0">
-                                      <a:solidFill>
-                                        <a:schemeClr val="tx1"/>
-                                      </a:solidFill>
-                                      <a:latin typeface="Cambria Math" panose="02040503050406030204" pitchFamily="18" charset="0"/>
-                                    </a:rPr>
-                                    <m:t>𝑚</m:t>
-                                  </m:r>
-                                </m:e>
-                                <m:sub>
-                                  <m:r>
-                                    <a:rPr lang="en-US" altLang="ko-KR" b="0" i="1" smtClean="0">
-                                      <a:solidFill>
-                                        <a:schemeClr val="tx1"/>
-                                      </a:solidFill>
-                                      <a:latin typeface="Cambria Math" panose="02040503050406030204" pitchFamily="18" charset="0"/>
-                                    </a:rPr>
-                                    <m:t>𝑓𝑙𝑜𝑎𝑡</m:t>
-                                  </m:r>
-                                </m:sub>
-                              </m:sSub>
-                            </m:sub>
-                          </m:sSub>
-                        </m:e>
-                      </m:d>
-                    </m:oMath>
-                  </m:oMathPara>
-                </a14:m>
-                <a:endParaRPr lang="en-US" altLang="ko-KR" b="0" dirty="0" smtClean="0">
-                  <a:solidFill>
-                    <a:schemeClr val="tx1"/>
-                  </a:solidFill>
-                </a:endParaRPr>
-              </a:p>
-              <a:p>
-                <a:pPr algn="ctr"/>
-                <a14:m>
-                  <m:oMathPara xmlns:m="http://schemas.openxmlformats.org/officeDocument/2006/math">
-                    <m:oMathParaPr>
-                      <m:jc m:val="centerGroup"/>
-                    </m:oMathParaPr>
-                    <m:oMath xmlns:m="http://schemas.openxmlformats.org/officeDocument/2006/math">
-                      <m:d>
-                        <m:dPr>
-                          <m:begChr m:val="["/>
-                          <m:endChr m:val="]"/>
-                          <m:ctrlPr>
-                            <a:rPr lang="en-US" altLang="ko-KR" b="0" i="1" smtClean="0">
-                              <a:solidFill>
-                                <a:schemeClr val="tx1"/>
-                              </a:solidFill>
-                              <a:latin typeface="Cambria Math" panose="02040503050406030204" pitchFamily="18" charset="0"/>
-                            </a:rPr>
-                          </m:ctrlPr>
-                        </m:dPr>
-                        <m:e>
-                          <m:sSub>
-                            <m:sSubPr>
-                              <m:ctrlPr>
-                                <a:rPr lang="en-US" altLang="ko-KR" b="0" i="1" smtClean="0">
-                                  <a:solidFill>
-                                    <a:schemeClr val="tx1"/>
-                                  </a:solidFill>
-                                  <a:latin typeface="Cambria Math" panose="02040503050406030204" pitchFamily="18" charset="0"/>
-                                </a:rPr>
-                              </m:ctrlPr>
-                            </m:sSubPr>
-                            <m:e>
-                              <m:r>
-                                <a:rPr lang="en-US" altLang="ko-KR" b="0" i="1" smtClean="0">
-                                  <a:solidFill>
-                                    <a:schemeClr val="tx1"/>
-                                  </a:solidFill>
-                                  <a:latin typeface="Cambria Math" panose="02040503050406030204" pitchFamily="18" charset="0"/>
-                                </a:rPr>
-                                <m:t>𝑑</m:t>
-                              </m:r>
-                            </m:e>
-                            <m:sub>
-                              <m:sSub>
-                                <m:sSubPr>
-                                  <m:ctrlPr>
-                                    <a:rPr lang="en-US" altLang="ko-KR" b="0" i="1" smtClean="0">
-                                      <a:solidFill>
-                                        <a:schemeClr val="tx1"/>
-                                      </a:solidFill>
-                                      <a:latin typeface="Cambria Math" panose="02040503050406030204" pitchFamily="18" charset="0"/>
-                                    </a:rPr>
-                                  </m:ctrlPr>
-                                </m:sSubPr>
-                                <m:e>
-                                  <m:r>
-                                    <a:rPr lang="en-US" altLang="ko-KR" b="0" i="1" smtClean="0">
-                                      <a:solidFill>
-                                        <a:schemeClr val="tx1"/>
-                                      </a:solidFill>
-                                      <a:latin typeface="Cambria Math" panose="02040503050406030204" pitchFamily="18" charset="0"/>
-                                    </a:rPr>
-                                    <m:t>𝑚</m:t>
-                                  </m:r>
-                                </m:e>
-                                <m:sub>
-                                  <m:r>
-                                    <a:rPr lang="en-US" altLang="ko-KR" b="0" i="1" smtClean="0">
-                                      <a:solidFill>
-                                        <a:schemeClr val="tx1"/>
-                                      </a:solidFill>
-                                      <a:latin typeface="Cambria Math" panose="02040503050406030204" pitchFamily="18" charset="0"/>
-                                    </a:rPr>
-                                    <m:t>𝑖𝑛𝑡</m:t>
-                                  </m:r>
-                                </m:sub>
-                              </m:sSub>
-                            </m:sub>
-                          </m:sSub>
-                          <m:r>
-                            <a:rPr lang="en-US" altLang="ko-KR" b="0" i="1" smtClean="0">
-                              <a:solidFill>
-                                <a:schemeClr val="tx1"/>
-                              </a:solidFill>
-                              <a:latin typeface="Cambria Math" panose="02040503050406030204" pitchFamily="18" charset="0"/>
-                            </a:rPr>
-                            <m:t>, </m:t>
-                          </m:r>
-                          <m:sSub>
-                            <m:sSubPr>
-                              <m:ctrlPr>
-                                <a:rPr lang="en-US" altLang="ko-KR" b="0" i="1" smtClean="0">
-                                  <a:solidFill>
-                                    <a:schemeClr val="tx1"/>
-                                  </a:solidFill>
-                                  <a:latin typeface="Cambria Math" panose="02040503050406030204" pitchFamily="18" charset="0"/>
-                                </a:rPr>
-                              </m:ctrlPr>
-                            </m:sSubPr>
-                            <m:e>
-                              <m:r>
-                                <a:rPr lang="en-US" altLang="ko-KR" b="0" i="1" smtClean="0">
-                                  <a:solidFill>
-                                    <a:schemeClr val="tx1"/>
-                                  </a:solidFill>
-                                  <a:latin typeface="Cambria Math" panose="02040503050406030204" pitchFamily="18" charset="0"/>
-                                </a:rPr>
-                                <m:t>𝑑</m:t>
-                              </m:r>
-                            </m:e>
-                            <m:sub>
-                              <m:sSub>
-                                <m:sSubPr>
-                                  <m:ctrlPr>
-                                    <a:rPr lang="en-US" altLang="ko-KR" b="0" i="1" smtClean="0">
-                                      <a:solidFill>
-                                        <a:schemeClr val="tx1"/>
-                                      </a:solidFill>
-                                      <a:latin typeface="Cambria Math" panose="02040503050406030204" pitchFamily="18" charset="0"/>
-                                    </a:rPr>
-                                  </m:ctrlPr>
-                                </m:sSubPr>
-                                <m:e>
-                                  <m:r>
-                                    <a:rPr lang="en-US" altLang="ko-KR" b="0" i="1" smtClean="0">
-                                      <a:solidFill>
-                                        <a:schemeClr val="tx1"/>
-                                      </a:solidFill>
-                                      <a:latin typeface="Cambria Math" panose="02040503050406030204" pitchFamily="18" charset="0"/>
-                                    </a:rPr>
-                                    <m:t>𝑚</m:t>
-                                  </m:r>
-                                </m:e>
-                                <m:sub>
-                                  <m:r>
-                                    <a:rPr lang="en-US" altLang="ko-KR" b="0" i="1" smtClean="0">
-                                      <a:solidFill>
-                                        <a:schemeClr val="tx1"/>
-                                      </a:solidFill>
-                                      <a:latin typeface="Cambria Math" panose="02040503050406030204" pitchFamily="18" charset="0"/>
-                                    </a:rPr>
-                                    <m:t>𝑓𝑙𝑜𝑎𝑡</m:t>
-                                  </m:r>
-                                </m:sub>
-                              </m:sSub>
-                            </m:sub>
-                          </m:sSub>
-                        </m:e>
-                      </m:d>
-                    </m:oMath>
-                  </m:oMathPara>
-                </a14:m>
-                <a:endParaRPr lang="en-US" altLang="ko-KR" b="0" dirty="0" smtClean="0">
-                  <a:solidFill>
-                    <a:schemeClr val="tx1"/>
-                  </a:solidFill>
-                </a:endParaRPr>
-              </a:p>
-              <a:p>
-                <a:pPr algn="ctr"/>
-                <a14:m>
-                  <m:oMathPara xmlns:m="http://schemas.openxmlformats.org/officeDocument/2006/math">
-                    <m:oMathParaPr>
-                      <m:jc m:val="centerGroup"/>
-                    </m:oMathParaPr>
-                    <m:oMath xmlns:m="http://schemas.openxmlformats.org/officeDocument/2006/math">
-                      <m:r>
-                        <a:rPr lang="en-US" altLang="ko-KR" b="0" i="1" smtClean="0">
-                          <a:solidFill>
-                            <a:schemeClr val="tx1"/>
-                          </a:solidFill>
-                          <a:latin typeface="Cambria Math" panose="02040503050406030204" pitchFamily="18" charset="0"/>
-                        </a:rPr>
-                        <m:t>…]]</m:t>
-                      </m:r>
-                    </m:oMath>
-                  </m:oMathPara>
-                </a14:m>
-                <a:endParaRPr lang="ko-KR" altLang="en-US" dirty="0" smtClean="0">
-                  <a:solidFill>
-                    <a:schemeClr val="tx1"/>
-                  </a:solidFill>
-                </a:endParaRPr>
-              </a:p>
-            </p:txBody>
-          </p:sp>
-        </mc:Choice>
-        <mc:Fallback>
-          <p:sp>
-            <p:nvSpPr>
-              <p:cNvPr id="8" name="직사각형 7"/>
-              <p:cNvSpPr>
-                <a:spLocks noRot="1" noChangeAspect="1" noMove="1" noResize="1" noEditPoints="1" noAdjustHandles="1" noChangeArrowheads="1" noChangeShapeType="1" noTextEdit="1"/>
-              </p:cNvSpPr>
-              <p:nvPr/>
-            </p:nvSpPr>
-            <p:spPr>
-              <a:xfrm>
-                <a:off x="9384145" y="4046745"/>
-                <a:ext cx="2538909" cy="2141035"/>
-              </a:xfrm>
-              <a:prstGeom prst="rect">
-                <a:avLst/>
-              </a:prstGeom>
-              <a:blipFill>
-                <a:blip r:embed="rId2"/>
-                <a:stretch>
-                  <a:fillRect t="-1416" b="-2833"/>
-                </a:stretch>
-              </a:blipFill>
-              <a:ln>
-                <a:solidFill>
-                  <a:schemeClr val="tx1"/>
-                </a:solidFill>
-              </a:ln>
-            </p:spPr>
-            <p:txBody>
-              <a:bodyPr/>
-              <a:lstStyle/>
-              <a:p>
-                <a:r>
-                  <a:rPr lang="ko-KR" altLang="en-US">
-                    <a:noFill/>
-                  </a:rPr>
-                  <a:t> </a:t>
-                </a:r>
-              </a:p>
-            </p:txBody>
-          </p:sp>
-        </mc:Fallback>
-      </mc:AlternateContent>
-      <mc:AlternateContent xmlns:mc="http://schemas.openxmlformats.org/markup-compatibility/2006">
-        <mc:Choice xmlns:a14="http://schemas.microsoft.com/office/drawing/2010/main" Requires="a14">
+      <mc:AlternateContent xmlns:mc="http://schemas.openxmlformats.org/markup-compatibility/2006" xmlns:a14="http://schemas.microsoft.com/office/drawing/2010/main">
+        <mc:Choice Requires="a14">
           <p:sp>
             <p:nvSpPr>
               <p:cNvPr id="13" name="직사각형 12"/>
@@ -30447,7 +29780,7 @@
             </p:txBody>
           </p:sp>
         </mc:Choice>
-        <mc:Fallback>
+        <mc:Fallback xmlns="">
           <p:sp>
             <p:nvSpPr>
               <p:cNvPr id="13" name="직사각형 12"/>
@@ -31946,6 +31279,1783 @@
 </p:sld>
 </file>
 
+<file path=ppt/slides/slide32.xml><?xml version="1.0" encoding="utf-8"?>
+<p:sld xmlns:a="http://schemas.openxmlformats.org/drawingml/2006/main" xmlns:r="http://schemas.openxmlformats.org/officeDocument/2006/relationships" xmlns:p="http://schemas.openxmlformats.org/presentationml/2006/main">
+  <p:cSld>
+    <p:spTree>
+      <p:nvGrpSpPr>
+        <p:cNvPr id="1" name=""/>
+        <p:cNvGrpSpPr/>
+        <p:nvPr/>
+      </p:nvGrpSpPr>
+      <p:grpSpPr>
+        <a:xfrm>
+          <a:off x="0" y="0"/>
+          <a:ext cx="0" cy="0"/>
+          <a:chOff x="0" y="0"/>
+          <a:chExt cx="0" cy="0"/>
+        </a:xfrm>
+      </p:grpSpPr>
+      <p:sp>
+        <p:nvSpPr>
+          <p:cNvPr id="3" name="TextBox 2">
+            <a:extLst>
+              <a:ext uri="{FF2B5EF4-FFF2-40B4-BE49-F238E27FC236}">
+                <a16:creationId xmlns:a16="http://schemas.microsoft.com/office/drawing/2014/main" id="{8F7C06DC-A42C-4B33-55C8-2B3DA4A7C8D5}"/>
+              </a:ext>
+            </a:extLst>
+          </p:cNvPr>
+          <p:cNvSpPr txBox="1"/>
+          <p:nvPr/>
+        </p:nvSpPr>
+        <p:spPr>
+          <a:xfrm>
+            <a:off x="925550" y="377800"/>
+            <a:ext cx="5202687" cy="369332"/>
+          </a:xfrm>
+          <a:prstGeom prst="rect">
+            <a:avLst/>
+          </a:prstGeom>
+          <a:noFill/>
+        </p:spPr>
+        <p:txBody>
+          <a:bodyPr wrap="square" rtlCol="0">
+            <a:spAutoFit/>
+          </a:bodyPr>
+          <a:lstStyle/>
+          <a:p>
+            <a:r>
+              <a:rPr lang="en-US" altLang="ko-KR" dirty="0" smtClean="0"/>
+              <a:t>Overview</a:t>
+            </a:r>
+            <a:endParaRPr lang="ko-KR" altLang="en-US" dirty="0"/>
+          </a:p>
+        </p:txBody>
+      </p:sp>
+      <p:cxnSp>
+        <p:nvCxnSpPr>
+          <p:cNvPr id="9" name="직선 연결선 8">
+            <a:extLst>
+              <a:ext uri="{FF2B5EF4-FFF2-40B4-BE49-F238E27FC236}">
+                <a16:creationId xmlns:a16="http://schemas.microsoft.com/office/drawing/2014/main" id="{61AC170B-C717-E7A8-AF11-58AF166D4498}"/>
+              </a:ext>
+            </a:extLst>
+          </p:cNvPr>
+          <p:cNvCxnSpPr>
+            <a:cxnSpLocks/>
+          </p:cNvCxnSpPr>
+          <p:nvPr/>
+        </p:nvCxnSpPr>
+        <p:spPr>
+          <a:xfrm>
+            <a:off x="925550" y="747132"/>
+            <a:ext cx="1167019" cy="0"/>
+          </a:xfrm>
+          <a:prstGeom prst="line">
+            <a:avLst/>
+          </a:prstGeom>
+        </p:spPr>
+        <p:style>
+          <a:lnRef idx="1">
+            <a:schemeClr val="accent1"/>
+          </a:lnRef>
+          <a:fillRef idx="0">
+            <a:schemeClr val="accent1"/>
+          </a:fillRef>
+          <a:effectRef idx="0">
+            <a:schemeClr val="accent1"/>
+          </a:effectRef>
+          <a:fontRef idx="minor">
+            <a:schemeClr val="tx1"/>
+          </a:fontRef>
+        </p:style>
+      </p:cxnSp>
+      <p:sp>
+        <p:nvSpPr>
+          <p:cNvPr id="2" name="직사각형 1"/>
+          <p:cNvSpPr/>
+          <p:nvPr/>
+        </p:nvSpPr>
+        <p:spPr>
+          <a:xfrm>
+            <a:off x="4036379" y="2852438"/>
+            <a:ext cx="3754315" cy="934472"/>
+          </a:xfrm>
+          <a:prstGeom prst="rect">
+            <a:avLst/>
+          </a:prstGeom>
+          <a:solidFill>
+            <a:srgbClr val="FFFFCC"/>
+          </a:solidFill>
+          <a:ln>
+            <a:solidFill>
+              <a:schemeClr val="tx1"/>
+            </a:solidFill>
+          </a:ln>
+        </p:spPr>
+        <p:style>
+          <a:lnRef idx="2">
+            <a:schemeClr val="accent1">
+              <a:shade val="50000"/>
+            </a:schemeClr>
+          </a:lnRef>
+          <a:fillRef idx="1">
+            <a:schemeClr val="accent1"/>
+          </a:fillRef>
+          <a:effectRef idx="0">
+            <a:schemeClr val="accent1"/>
+          </a:effectRef>
+          <a:fontRef idx="minor">
+            <a:schemeClr val="lt1"/>
+          </a:fontRef>
+        </p:style>
+        <p:txBody>
+          <a:bodyPr rtlCol="0" anchor="ctr"/>
+          <a:lstStyle/>
+          <a:p>
+            <a:pPr algn="ctr"/>
+            <a:r>
+              <a:rPr lang="en-US" altLang="ko-KR" dirty="0" smtClean="0">
+                <a:solidFill>
+                  <a:schemeClr val="tx1"/>
+                </a:solidFill>
+              </a:rPr>
+              <a:t>Transformer</a:t>
+            </a:r>
+            <a:endParaRPr lang="ko-KR" altLang="en-US" dirty="0">
+              <a:solidFill>
+                <a:schemeClr val="tx1"/>
+              </a:solidFill>
+            </a:endParaRPr>
+          </a:p>
+        </p:txBody>
+      </p:sp>
+      <p:sp>
+        <p:nvSpPr>
+          <p:cNvPr id="7" name="직사각형 6"/>
+          <p:cNvSpPr/>
+          <p:nvPr/>
+        </p:nvSpPr>
+        <p:spPr>
+          <a:xfrm>
+            <a:off x="1935194" y="4419601"/>
+            <a:ext cx="2101185" cy="822036"/>
+          </a:xfrm>
+          <a:prstGeom prst="rect">
+            <a:avLst/>
+          </a:prstGeom>
+          <a:solidFill>
+            <a:srgbClr val="FFCCFF">
+              <a:alpha val="10000"/>
+            </a:srgbClr>
+          </a:solidFill>
+          <a:ln>
+            <a:solidFill>
+              <a:schemeClr val="tx1"/>
+            </a:solidFill>
+          </a:ln>
+        </p:spPr>
+        <p:style>
+          <a:lnRef idx="2">
+            <a:schemeClr val="accent1">
+              <a:shade val="50000"/>
+            </a:schemeClr>
+          </a:lnRef>
+          <a:fillRef idx="1">
+            <a:schemeClr val="accent1"/>
+          </a:fillRef>
+          <a:effectRef idx="0">
+            <a:schemeClr val="accent1"/>
+          </a:effectRef>
+          <a:fontRef idx="minor">
+            <a:schemeClr val="lt1"/>
+          </a:fontRef>
+        </p:style>
+        <p:txBody>
+          <a:bodyPr rtlCol="0" anchor="ctr"/>
+          <a:lstStyle/>
+          <a:p>
+            <a:pPr algn="ctr"/>
+            <a:r>
+              <a:rPr lang="en-US" altLang="ko-KR" dirty="0" smtClean="0">
+                <a:solidFill>
+                  <a:schemeClr val="tx1"/>
+                </a:solidFill>
+              </a:rPr>
+              <a:t>Encoder</a:t>
+            </a:r>
+          </a:p>
+          <a:p>
+            <a:pPr algn="ctr"/>
+            <a:r>
+              <a:rPr lang="en-US" altLang="ko-KR" dirty="0" smtClean="0">
+                <a:solidFill>
+                  <a:schemeClr val="tx1"/>
+                </a:solidFill>
+              </a:rPr>
+              <a:t>input</a:t>
+            </a:r>
+            <a:endParaRPr lang="ko-KR" altLang="en-US" dirty="0">
+              <a:solidFill>
+                <a:schemeClr val="tx1"/>
+              </a:solidFill>
+            </a:endParaRPr>
+          </a:p>
+        </p:txBody>
+      </p:sp>
+      <p:sp>
+        <p:nvSpPr>
+          <p:cNvPr id="8" name="직사각형 7"/>
+          <p:cNvSpPr/>
+          <p:nvPr/>
+        </p:nvSpPr>
+        <p:spPr>
+          <a:xfrm>
+            <a:off x="7790694" y="4419601"/>
+            <a:ext cx="2101185" cy="822036"/>
+          </a:xfrm>
+          <a:prstGeom prst="rect">
+            <a:avLst/>
+          </a:prstGeom>
+          <a:solidFill>
+            <a:srgbClr val="FFCCFF">
+              <a:alpha val="10000"/>
+            </a:srgbClr>
+          </a:solidFill>
+          <a:ln>
+            <a:solidFill>
+              <a:schemeClr val="tx1"/>
+            </a:solidFill>
+          </a:ln>
+        </p:spPr>
+        <p:style>
+          <a:lnRef idx="2">
+            <a:schemeClr val="accent1">
+              <a:shade val="50000"/>
+            </a:schemeClr>
+          </a:lnRef>
+          <a:fillRef idx="1">
+            <a:schemeClr val="accent1"/>
+          </a:fillRef>
+          <a:effectRef idx="0">
+            <a:schemeClr val="accent1"/>
+          </a:effectRef>
+          <a:fontRef idx="minor">
+            <a:schemeClr val="lt1"/>
+          </a:fontRef>
+        </p:style>
+        <p:txBody>
+          <a:bodyPr rtlCol="0" anchor="ctr"/>
+          <a:lstStyle/>
+          <a:p>
+            <a:pPr algn="ctr"/>
+            <a:r>
+              <a:rPr lang="en-US" altLang="ko-KR" dirty="0" smtClean="0">
+                <a:solidFill>
+                  <a:schemeClr val="tx1"/>
+                </a:solidFill>
+              </a:rPr>
+              <a:t>Decoder</a:t>
+            </a:r>
+          </a:p>
+          <a:p>
+            <a:pPr algn="ctr"/>
+            <a:r>
+              <a:rPr lang="en-US" altLang="ko-KR" dirty="0" smtClean="0">
+                <a:solidFill>
+                  <a:schemeClr val="tx1"/>
+                </a:solidFill>
+              </a:rPr>
+              <a:t>input</a:t>
+            </a:r>
+            <a:endParaRPr lang="ko-KR" altLang="en-US" dirty="0">
+              <a:solidFill>
+                <a:schemeClr val="tx1"/>
+              </a:solidFill>
+            </a:endParaRPr>
+          </a:p>
+        </p:txBody>
+      </p:sp>
+      <p:sp>
+        <p:nvSpPr>
+          <p:cNvPr id="10" name="직사각형 9"/>
+          <p:cNvSpPr/>
+          <p:nvPr/>
+        </p:nvSpPr>
+        <p:spPr>
+          <a:xfrm>
+            <a:off x="4862943" y="1567367"/>
+            <a:ext cx="2101185" cy="822036"/>
+          </a:xfrm>
+          <a:prstGeom prst="rect">
+            <a:avLst/>
+          </a:prstGeom>
+          <a:solidFill>
+            <a:schemeClr val="accent6">
+              <a:lumMod val="40000"/>
+              <a:lumOff val="60000"/>
+            </a:schemeClr>
+          </a:solidFill>
+          <a:ln>
+            <a:solidFill>
+              <a:schemeClr val="tx1"/>
+            </a:solidFill>
+          </a:ln>
+        </p:spPr>
+        <p:style>
+          <a:lnRef idx="2">
+            <a:schemeClr val="accent1">
+              <a:shade val="50000"/>
+            </a:schemeClr>
+          </a:lnRef>
+          <a:fillRef idx="1">
+            <a:schemeClr val="accent1"/>
+          </a:fillRef>
+          <a:effectRef idx="0">
+            <a:schemeClr val="accent1"/>
+          </a:effectRef>
+          <a:fontRef idx="minor">
+            <a:schemeClr val="lt1"/>
+          </a:fontRef>
+        </p:style>
+        <p:txBody>
+          <a:bodyPr rtlCol="0" anchor="ctr"/>
+          <a:lstStyle/>
+          <a:p>
+            <a:pPr algn="ctr"/>
+            <a:r>
+              <a:rPr lang="en-US" altLang="ko-KR" dirty="0" smtClean="0">
+                <a:solidFill>
+                  <a:schemeClr val="tx1"/>
+                </a:solidFill>
+              </a:rPr>
+              <a:t>Output</a:t>
+            </a:r>
+            <a:endParaRPr lang="ko-KR" altLang="en-US" dirty="0">
+              <a:solidFill>
+                <a:schemeClr val="tx1"/>
+              </a:solidFill>
+            </a:endParaRPr>
+          </a:p>
+        </p:txBody>
+      </p:sp>
+      <mc:AlternateContent xmlns:mc="http://schemas.openxmlformats.org/markup-compatibility/2006">
+        <mc:Choice xmlns:a14="http://schemas.microsoft.com/office/drawing/2010/main" Requires="a14">
+          <p:sp>
+            <p:nvSpPr>
+              <p:cNvPr id="11" name="직사각형 10"/>
+              <p:cNvSpPr/>
+              <p:nvPr/>
+            </p:nvSpPr>
+            <p:spPr>
+              <a:xfrm>
+                <a:off x="6788727" y="1052945"/>
+                <a:ext cx="4843496" cy="2314509"/>
+              </a:xfrm>
+              <a:prstGeom prst="rect">
+                <a:avLst/>
+              </a:prstGeom>
+              <a:solidFill>
+                <a:schemeClr val="accent4">
+                  <a:lumMod val="40000"/>
+                  <a:lumOff val="60000"/>
+                </a:schemeClr>
+              </a:solidFill>
+              <a:ln>
+                <a:solidFill>
+                  <a:schemeClr val="tx1"/>
+                </a:solidFill>
+              </a:ln>
+            </p:spPr>
+            <p:style>
+              <a:lnRef idx="2">
+                <a:schemeClr val="accent1">
+                  <a:shade val="50000"/>
+                </a:schemeClr>
+              </a:lnRef>
+              <a:fillRef idx="1">
+                <a:schemeClr val="accent1"/>
+              </a:fillRef>
+              <a:effectRef idx="0">
+                <a:schemeClr val="accent1"/>
+              </a:effectRef>
+              <a:fontRef idx="minor">
+                <a:schemeClr val="lt1"/>
+              </a:fontRef>
+            </p:style>
+            <p:txBody>
+              <a:bodyPr rtlCol="0" anchor="ctr"/>
+              <a:lstStyle/>
+              <a:p>
+                <a:pPr algn="ctr"/>
+                <a:r>
+                  <a:rPr lang="en-US" altLang="ko-KR" dirty="0" smtClean="0">
+                    <a:solidFill>
+                      <a:schemeClr val="tx1"/>
+                    </a:solidFill>
+                  </a:rPr>
+                  <a:t>[[</a:t>
+                </a:r>
+                <a14:m>
+                  <m:oMath xmlns:m="http://schemas.openxmlformats.org/officeDocument/2006/math">
+                    <m:r>
+                      <a:rPr lang="en-US" altLang="ko-KR" b="0" i="1" smtClean="0">
+                        <a:solidFill>
+                          <a:schemeClr val="tx1"/>
+                        </a:solidFill>
+                        <a:latin typeface="Cambria Math" panose="02040503050406030204" pitchFamily="18" charset="0"/>
+                      </a:rPr>
+                      <m:t>𝑝𝑒𝑎</m:t>
+                    </m:r>
+                    <m:sSub>
+                      <m:sSubPr>
+                        <m:ctrlPr>
+                          <a:rPr lang="en-US" altLang="ko-KR" b="0" i="1" smtClean="0">
+                            <a:solidFill>
+                              <a:schemeClr val="tx1"/>
+                            </a:solidFill>
+                            <a:latin typeface="Cambria Math" panose="02040503050406030204" pitchFamily="18" charset="0"/>
+                          </a:rPr>
+                        </m:ctrlPr>
+                      </m:sSubPr>
+                      <m:e>
+                        <m:r>
+                          <a:rPr lang="en-US" altLang="ko-KR" b="0" i="1" smtClean="0">
+                            <a:solidFill>
+                              <a:schemeClr val="tx1"/>
+                            </a:solidFill>
+                            <a:latin typeface="Cambria Math" panose="02040503050406030204" pitchFamily="18" charset="0"/>
+                          </a:rPr>
+                          <m:t>𝑘</m:t>
+                        </m:r>
+                      </m:e>
+                      <m:sub>
+                        <m:r>
+                          <a:rPr lang="en-US" altLang="ko-KR" b="0" i="1" smtClean="0">
+                            <a:solidFill>
+                              <a:schemeClr val="tx1"/>
+                            </a:solidFill>
+                            <a:latin typeface="Cambria Math" panose="02040503050406030204" pitchFamily="18" charset="0"/>
+                          </a:rPr>
+                          <m:t>1</m:t>
+                        </m:r>
+                      </m:sub>
+                    </m:sSub>
+                    <m:r>
+                      <a:rPr lang="en-US" altLang="ko-KR" b="0" i="1" smtClean="0">
+                        <a:solidFill>
+                          <a:schemeClr val="tx1"/>
+                        </a:solidFill>
+                        <a:latin typeface="Cambria Math" panose="02040503050406030204" pitchFamily="18" charset="0"/>
+                      </a:rPr>
+                      <m:t>, </m:t>
+                    </m:r>
+                    <m:r>
+                      <a:rPr lang="en-US" altLang="ko-KR" b="0" i="1" smtClean="0">
+                        <a:solidFill>
+                          <a:schemeClr val="tx1"/>
+                        </a:solidFill>
+                        <a:latin typeface="Cambria Math" panose="02040503050406030204" pitchFamily="18" charset="0"/>
+                      </a:rPr>
+                      <m:t>𝑝𝑒𝑎</m:t>
+                    </m:r>
+                    <m:sSub>
+                      <m:sSubPr>
+                        <m:ctrlPr>
+                          <a:rPr lang="en-US" altLang="ko-KR" b="0" i="1" smtClean="0">
+                            <a:solidFill>
+                              <a:schemeClr val="tx1"/>
+                            </a:solidFill>
+                            <a:latin typeface="Cambria Math" panose="02040503050406030204" pitchFamily="18" charset="0"/>
+                          </a:rPr>
+                        </m:ctrlPr>
+                      </m:sSubPr>
+                      <m:e>
+                        <m:r>
+                          <a:rPr lang="en-US" altLang="ko-KR" b="0" i="1" smtClean="0">
+                            <a:solidFill>
+                              <a:schemeClr val="tx1"/>
+                            </a:solidFill>
+                            <a:latin typeface="Cambria Math" panose="02040503050406030204" pitchFamily="18" charset="0"/>
+                          </a:rPr>
+                          <m:t>𝑘</m:t>
+                        </m:r>
+                      </m:e>
+                      <m:sub>
+                        <m:r>
+                          <a:rPr lang="en-US" altLang="ko-KR" b="0" i="1" smtClean="0">
+                            <a:solidFill>
+                              <a:schemeClr val="tx1"/>
+                            </a:solidFill>
+                            <a:latin typeface="Cambria Math" panose="02040503050406030204" pitchFamily="18" charset="0"/>
+                          </a:rPr>
+                          <m:t>2</m:t>
+                        </m:r>
+                      </m:sub>
+                    </m:sSub>
+                    <m:r>
+                      <a:rPr lang="en-US" altLang="ko-KR" b="0" i="1" smtClean="0">
+                        <a:solidFill>
+                          <a:schemeClr val="tx1"/>
+                        </a:solidFill>
+                        <a:latin typeface="Cambria Math" panose="02040503050406030204" pitchFamily="18" charset="0"/>
+                      </a:rPr>
+                      <m:t>, …</m:t>
+                    </m:r>
+                    <m:r>
+                      <a:rPr lang="en-US" altLang="ko-KR" b="0" i="1" smtClean="0">
+                        <a:solidFill>
+                          <a:schemeClr val="tx1"/>
+                        </a:solidFill>
+                        <a:latin typeface="Cambria Math" panose="02040503050406030204" pitchFamily="18" charset="0"/>
+                      </a:rPr>
+                      <m:t>𝑝𝑒𝑎</m:t>
+                    </m:r>
+                    <m:sSub>
+                      <m:sSubPr>
+                        <m:ctrlPr>
+                          <a:rPr lang="en-US" altLang="ko-KR" b="0" i="1" smtClean="0">
+                            <a:solidFill>
+                              <a:schemeClr val="tx1"/>
+                            </a:solidFill>
+                            <a:latin typeface="Cambria Math" panose="02040503050406030204" pitchFamily="18" charset="0"/>
+                          </a:rPr>
+                        </m:ctrlPr>
+                      </m:sSubPr>
+                      <m:e>
+                        <m:r>
+                          <a:rPr lang="en-US" altLang="ko-KR" b="0" i="1" smtClean="0">
+                            <a:solidFill>
+                              <a:schemeClr val="tx1"/>
+                            </a:solidFill>
+                            <a:latin typeface="Cambria Math" panose="02040503050406030204" pitchFamily="18" charset="0"/>
+                          </a:rPr>
+                          <m:t>𝑘</m:t>
+                        </m:r>
+                      </m:e>
+                      <m:sub>
+                        <m:r>
+                          <a:rPr lang="en-US" altLang="ko-KR" b="0" i="1" smtClean="0">
+                            <a:solidFill>
+                              <a:schemeClr val="tx1"/>
+                            </a:solidFill>
+                            <a:latin typeface="Cambria Math" panose="02040503050406030204" pitchFamily="18" charset="0"/>
+                          </a:rPr>
+                          <m:t>𝑛𝑢</m:t>
+                        </m:r>
+                        <m:sSub>
+                          <m:sSubPr>
+                            <m:ctrlPr>
+                              <a:rPr lang="en-US" altLang="ko-KR" b="0" i="1" smtClean="0">
+                                <a:solidFill>
+                                  <a:schemeClr val="tx1"/>
+                                </a:solidFill>
+                                <a:latin typeface="Cambria Math" panose="02040503050406030204" pitchFamily="18" charset="0"/>
+                              </a:rPr>
+                            </m:ctrlPr>
+                          </m:sSubPr>
+                          <m:e>
+                            <m:r>
+                              <a:rPr lang="en-US" altLang="ko-KR" b="0" i="1" smtClean="0">
+                                <a:solidFill>
+                                  <a:schemeClr val="tx1"/>
+                                </a:solidFill>
+                                <a:latin typeface="Cambria Math" panose="02040503050406030204" pitchFamily="18" charset="0"/>
+                              </a:rPr>
+                              <m:t>𝑚</m:t>
+                            </m:r>
+                          </m:e>
+                          <m:sub>
+                            <m:r>
+                              <a:rPr lang="en-US" altLang="ko-KR" b="0" i="1" smtClean="0">
+                                <a:solidFill>
+                                  <a:schemeClr val="tx1"/>
+                                </a:solidFill>
+                                <a:latin typeface="Cambria Math" panose="02040503050406030204" pitchFamily="18" charset="0"/>
+                              </a:rPr>
+                              <m:t>𝑝𝑒𝑎𝑘</m:t>
+                            </m:r>
+                          </m:sub>
+                        </m:sSub>
+                      </m:sub>
+                    </m:sSub>
+                  </m:oMath>
+                </a14:m>
+                <a:r>
+                  <a:rPr lang="en-US" altLang="ko-KR" b="0" dirty="0" smtClean="0">
+                    <a:solidFill>
+                      <a:schemeClr val="tx1"/>
+                    </a:solidFill>
+                  </a:rPr>
+                  <a:t>]</a:t>
+                </a:r>
+              </a:p>
+              <a:p>
+                <a:pPr algn="ctr"/>
+                <a:r>
+                  <a:rPr lang="en-US" altLang="ko-KR" dirty="0" smtClean="0">
+                    <a:solidFill>
+                      <a:schemeClr val="tx1"/>
+                    </a:solidFill>
+                  </a:rPr>
+                  <a:t>…</a:t>
+                </a:r>
+              </a:p>
+              <a:p>
+                <a:pPr algn="ctr"/>
+                <a:r>
+                  <a:rPr lang="en-US" altLang="ko-KR" dirty="0" smtClean="0">
+                    <a:solidFill>
+                      <a:schemeClr val="tx1"/>
+                    </a:solidFill>
+                  </a:rPr>
+                  <a:t>[</a:t>
+                </a:r>
+                <a14:m>
+                  <m:oMath xmlns:m="http://schemas.openxmlformats.org/officeDocument/2006/math">
+                    <m:r>
+                      <a:rPr lang="en-US" altLang="ko-KR" b="0" i="1" smtClean="0">
+                        <a:solidFill>
+                          <a:schemeClr val="tx1"/>
+                        </a:solidFill>
+                        <a:latin typeface="Cambria Math" panose="02040503050406030204" pitchFamily="18" charset="0"/>
+                      </a:rPr>
+                      <m:t>𝑝𝑒𝑎</m:t>
+                    </m:r>
+                    <m:sSub>
+                      <m:sSubPr>
+                        <m:ctrlPr>
+                          <a:rPr lang="en-US" altLang="ko-KR" b="0" i="1" smtClean="0">
+                            <a:solidFill>
+                              <a:schemeClr val="tx1"/>
+                            </a:solidFill>
+                            <a:latin typeface="Cambria Math" panose="02040503050406030204" pitchFamily="18" charset="0"/>
+                          </a:rPr>
+                        </m:ctrlPr>
+                      </m:sSubPr>
+                      <m:e>
+                        <m:r>
+                          <a:rPr lang="en-US" altLang="ko-KR" b="0" i="1" smtClean="0">
+                            <a:solidFill>
+                              <a:schemeClr val="tx1"/>
+                            </a:solidFill>
+                            <a:latin typeface="Cambria Math" panose="02040503050406030204" pitchFamily="18" charset="0"/>
+                          </a:rPr>
+                          <m:t>𝑘</m:t>
+                        </m:r>
+                      </m:e>
+                      <m:sub>
+                        <m:r>
+                          <a:rPr lang="en-US" altLang="ko-KR" b="0" i="1" smtClean="0">
+                            <a:solidFill>
+                              <a:schemeClr val="tx1"/>
+                            </a:solidFill>
+                            <a:latin typeface="Cambria Math" panose="02040503050406030204" pitchFamily="18" charset="0"/>
+                          </a:rPr>
+                          <m:t>1</m:t>
+                        </m:r>
+                      </m:sub>
+                    </m:sSub>
+                    <m:r>
+                      <a:rPr lang="en-US" altLang="ko-KR" b="0" i="1" smtClean="0">
+                        <a:solidFill>
+                          <a:schemeClr val="tx1"/>
+                        </a:solidFill>
+                        <a:latin typeface="Cambria Math" panose="02040503050406030204" pitchFamily="18" charset="0"/>
+                      </a:rPr>
+                      <m:t>, </m:t>
+                    </m:r>
+                    <m:r>
+                      <a:rPr lang="en-US" altLang="ko-KR" b="0" i="1" smtClean="0">
+                        <a:solidFill>
+                          <a:schemeClr val="tx1"/>
+                        </a:solidFill>
+                        <a:latin typeface="Cambria Math" panose="02040503050406030204" pitchFamily="18" charset="0"/>
+                      </a:rPr>
+                      <m:t>𝑝𝑒𝑎</m:t>
+                    </m:r>
+                    <m:sSub>
+                      <m:sSubPr>
+                        <m:ctrlPr>
+                          <a:rPr lang="en-US" altLang="ko-KR" b="0" i="1" smtClean="0">
+                            <a:solidFill>
+                              <a:schemeClr val="tx1"/>
+                            </a:solidFill>
+                            <a:latin typeface="Cambria Math" panose="02040503050406030204" pitchFamily="18" charset="0"/>
+                          </a:rPr>
+                        </m:ctrlPr>
+                      </m:sSubPr>
+                      <m:e>
+                        <m:r>
+                          <a:rPr lang="en-US" altLang="ko-KR" b="0" i="1" smtClean="0">
+                            <a:solidFill>
+                              <a:schemeClr val="tx1"/>
+                            </a:solidFill>
+                            <a:latin typeface="Cambria Math" panose="02040503050406030204" pitchFamily="18" charset="0"/>
+                          </a:rPr>
+                          <m:t>𝑘</m:t>
+                        </m:r>
+                      </m:e>
+                      <m:sub>
+                        <m:r>
+                          <a:rPr lang="en-US" altLang="ko-KR" b="0" i="1" smtClean="0">
+                            <a:solidFill>
+                              <a:schemeClr val="tx1"/>
+                            </a:solidFill>
+                            <a:latin typeface="Cambria Math" panose="02040503050406030204" pitchFamily="18" charset="0"/>
+                          </a:rPr>
+                          <m:t>2</m:t>
+                        </m:r>
+                      </m:sub>
+                    </m:sSub>
+                    <m:r>
+                      <a:rPr lang="en-US" altLang="ko-KR" b="0" i="1" smtClean="0">
+                        <a:solidFill>
+                          <a:schemeClr val="tx1"/>
+                        </a:solidFill>
+                        <a:latin typeface="Cambria Math" panose="02040503050406030204" pitchFamily="18" charset="0"/>
+                      </a:rPr>
+                      <m:t>, …</m:t>
+                    </m:r>
+                    <m:r>
+                      <a:rPr lang="en-US" altLang="ko-KR" b="0" i="1" smtClean="0">
+                        <a:solidFill>
+                          <a:schemeClr val="tx1"/>
+                        </a:solidFill>
+                        <a:latin typeface="Cambria Math" panose="02040503050406030204" pitchFamily="18" charset="0"/>
+                      </a:rPr>
+                      <m:t>𝑝𝑒𝑎</m:t>
+                    </m:r>
+                    <m:sSub>
+                      <m:sSubPr>
+                        <m:ctrlPr>
+                          <a:rPr lang="en-US" altLang="ko-KR" b="0" i="1" smtClean="0">
+                            <a:solidFill>
+                              <a:schemeClr val="tx1"/>
+                            </a:solidFill>
+                            <a:latin typeface="Cambria Math" panose="02040503050406030204" pitchFamily="18" charset="0"/>
+                          </a:rPr>
+                        </m:ctrlPr>
+                      </m:sSubPr>
+                      <m:e>
+                        <m:r>
+                          <a:rPr lang="en-US" altLang="ko-KR" b="0" i="1" smtClean="0">
+                            <a:solidFill>
+                              <a:schemeClr val="tx1"/>
+                            </a:solidFill>
+                            <a:latin typeface="Cambria Math" panose="02040503050406030204" pitchFamily="18" charset="0"/>
+                          </a:rPr>
+                          <m:t>𝑘</m:t>
+                        </m:r>
+                      </m:e>
+                      <m:sub>
+                        <m:r>
+                          <a:rPr lang="en-US" altLang="ko-KR" b="0" i="1" smtClean="0">
+                            <a:solidFill>
+                              <a:schemeClr val="tx1"/>
+                            </a:solidFill>
+                            <a:latin typeface="Cambria Math" panose="02040503050406030204" pitchFamily="18" charset="0"/>
+                          </a:rPr>
+                          <m:t>𝑛𝑢</m:t>
+                        </m:r>
+                        <m:sSub>
+                          <m:sSubPr>
+                            <m:ctrlPr>
+                              <a:rPr lang="en-US" altLang="ko-KR" b="0" i="1" smtClean="0">
+                                <a:solidFill>
+                                  <a:schemeClr val="tx1"/>
+                                </a:solidFill>
+                                <a:latin typeface="Cambria Math" panose="02040503050406030204" pitchFamily="18" charset="0"/>
+                              </a:rPr>
+                            </m:ctrlPr>
+                          </m:sSubPr>
+                          <m:e>
+                            <m:r>
+                              <a:rPr lang="en-US" altLang="ko-KR" b="0" i="1" smtClean="0">
+                                <a:solidFill>
+                                  <a:schemeClr val="tx1"/>
+                                </a:solidFill>
+                                <a:latin typeface="Cambria Math" panose="02040503050406030204" pitchFamily="18" charset="0"/>
+                              </a:rPr>
+                              <m:t>𝑚</m:t>
+                            </m:r>
+                          </m:e>
+                          <m:sub>
+                            <m:r>
+                              <a:rPr lang="en-US" altLang="ko-KR" b="0" i="1" smtClean="0">
+                                <a:solidFill>
+                                  <a:schemeClr val="tx1"/>
+                                </a:solidFill>
+                                <a:latin typeface="Cambria Math" panose="02040503050406030204" pitchFamily="18" charset="0"/>
+                              </a:rPr>
+                              <m:t>𝑝𝑒𝑎𝑘</m:t>
+                            </m:r>
+                          </m:sub>
+                        </m:sSub>
+                      </m:sub>
+                    </m:sSub>
+                  </m:oMath>
+                </a14:m>
+                <a:r>
+                  <a:rPr lang="en-US" altLang="ko-KR" dirty="0" smtClean="0">
+                    <a:solidFill>
+                      <a:schemeClr val="tx1"/>
+                    </a:solidFill>
+                  </a:rPr>
+                  <a:t>]]</a:t>
+                </a:r>
+                <a:endParaRPr lang="en-US" altLang="ko-KR" dirty="0">
+                  <a:solidFill>
+                    <a:schemeClr val="tx1"/>
+                  </a:solidFill>
+                </a:endParaRPr>
+              </a:p>
+            </p:txBody>
+          </p:sp>
+        </mc:Choice>
+        <mc:Fallback>
+          <p:sp>
+            <p:nvSpPr>
+              <p:cNvPr id="11" name="직사각형 10"/>
+              <p:cNvSpPr>
+                <a:spLocks noRot="1" noChangeAspect="1" noMove="1" noResize="1" noEditPoints="1" noAdjustHandles="1" noChangeArrowheads="1" noChangeShapeType="1" noTextEdit="1"/>
+              </p:cNvSpPr>
+              <p:nvPr/>
+            </p:nvSpPr>
+            <p:spPr>
+              <a:xfrm>
+                <a:off x="6788727" y="1052945"/>
+                <a:ext cx="4843496" cy="2314509"/>
+              </a:xfrm>
+              <a:prstGeom prst="rect">
+                <a:avLst/>
+              </a:prstGeom>
+              <a:blipFill>
+                <a:blip r:embed="rId2"/>
+                <a:stretch>
+                  <a:fillRect/>
+                </a:stretch>
+              </a:blipFill>
+              <a:ln>
+                <a:solidFill>
+                  <a:schemeClr val="tx1"/>
+                </a:solidFill>
+              </a:ln>
+            </p:spPr>
+            <p:txBody>
+              <a:bodyPr/>
+              <a:lstStyle/>
+              <a:p>
+                <a:r>
+                  <a:rPr lang="ko-KR" altLang="en-US">
+                    <a:noFill/>
+                  </a:rPr>
+                  <a:t> </a:t>
+                </a:r>
+              </a:p>
+            </p:txBody>
+          </p:sp>
+        </mc:Fallback>
+      </mc:AlternateContent>
+    </p:spTree>
+    <p:extLst>
+      <p:ext uri="{BB962C8B-B14F-4D97-AF65-F5344CB8AC3E}">
+        <p14:creationId xmlns:p14="http://schemas.microsoft.com/office/powerpoint/2010/main" val="1146736841"/>
+      </p:ext>
+    </p:extLst>
+  </p:cSld>
+  <p:clrMapOvr>
+    <a:masterClrMapping/>
+  </p:clrMapOvr>
+  <p:timing>
+    <p:tnLst>
+      <p:par>
+        <p:cTn id="1" dur="indefinite" restart="never" nodeType="tmRoot"/>
+      </p:par>
+    </p:tnLst>
+  </p:timing>
+</p:sld>
+</file>
+
+<file path=ppt/slides/slide33.xml><?xml version="1.0" encoding="utf-8"?>
+<p:sld xmlns:a="http://schemas.openxmlformats.org/drawingml/2006/main" xmlns:r="http://schemas.openxmlformats.org/officeDocument/2006/relationships" xmlns:p="http://schemas.openxmlformats.org/presentationml/2006/main">
+  <p:cSld>
+    <p:spTree>
+      <p:nvGrpSpPr>
+        <p:cNvPr id="1" name=""/>
+        <p:cNvGrpSpPr/>
+        <p:nvPr/>
+      </p:nvGrpSpPr>
+      <p:grpSpPr>
+        <a:xfrm>
+          <a:off x="0" y="0"/>
+          <a:ext cx="0" cy="0"/>
+          <a:chOff x="0" y="0"/>
+          <a:chExt cx="0" cy="0"/>
+        </a:xfrm>
+      </p:grpSpPr>
+      <p:sp>
+        <p:nvSpPr>
+          <p:cNvPr id="3" name="TextBox 2">
+            <a:extLst>
+              <a:ext uri="{FF2B5EF4-FFF2-40B4-BE49-F238E27FC236}">
+                <a16:creationId xmlns:a16="http://schemas.microsoft.com/office/drawing/2014/main" id="{8F7C06DC-A42C-4B33-55C8-2B3DA4A7C8D5}"/>
+              </a:ext>
+            </a:extLst>
+          </p:cNvPr>
+          <p:cNvSpPr txBox="1"/>
+          <p:nvPr/>
+        </p:nvSpPr>
+        <p:spPr>
+          <a:xfrm>
+            <a:off x="925550" y="377800"/>
+            <a:ext cx="5202687" cy="369332"/>
+          </a:xfrm>
+          <a:prstGeom prst="rect">
+            <a:avLst/>
+          </a:prstGeom>
+          <a:noFill/>
+        </p:spPr>
+        <p:txBody>
+          <a:bodyPr wrap="square" rtlCol="0">
+            <a:spAutoFit/>
+          </a:bodyPr>
+          <a:lstStyle/>
+          <a:p>
+            <a:r>
+              <a:rPr lang="en-US" altLang="ko-KR" dirty="0" smtClean="0"/>
+              <a:t>Overview</a:t>
+            </a:r>
+            <a:endParaRPr lang="ko-KR" altLang="en-US" dirty="0"/>
+          </a:p>
+        </p:txBody>
+      </p:sp>
+      <p:cxnSp>
+        <p:nvCxnSpPr>
+          <p:cNvPr id="9" name="직선 연결선 8">
+            <a:extLst>
+              <a:ext uri="{FF2B5EF4-FFF2-40B4-BE49-F238E27FC236}">
+                <a16:creationId xmlns:a16="http://schemas.microsoft.com/office/drawing/2014/main" id="{61AC170B-C717-E7A8-AF11-58AF166D4498}"/>
+              </a:ext>
+            </a:extLst>
+          </p:cNvPr>
+          <p:cNvCxnSpPr>
+            <a:cxnSpLocks/>
+          </p:cNvCxnSpPr>
+          <p:nvPr/>
+        </p:nvCxnSpPr>
+        <p:spPr>
+          <a:xfrm>
+            <a:off x="925550" y="747132"/>
+            <a:ext cx="1167019" cy="0"/>
+          </a:xfrm>
+          <a:prstGeom prst="line">
+            <a:avLst/>
+          </a:prstGeom>
+        </p:spPr>
+        <p:style>
+          <a:lnRef idx="1">
+            <a:schemeClr val="accent1"/>
+          </a:lnRef>
+          <a:fillRef idx="0">
+            <a:schemeClr val="accent1"/>
+          </a:fillRef>
+          <a:effectRef idx="0">
+            <a:schemeClr val="accent1"/>
+          </a:effectRef>
+          <a:fontRef idx="minor">
+            <a:schemeClr val="tx1"/>
+          </a:fontRef>
+        </p:style>
+      </p:cxnSp>
+      <p:sp>
+        <p:nvSpPr>
+          <p:cNvPr id="2" name="직사각형 1"/>
+          <p:cNvSpPr/>
+          <p:nvPr/>
+        </p:nvSpPr>
+        <p:spPr>
+          <a:xfrm>
+            <a:off x="4036379" y="2852438"/>
+            <a:ext cx="3754315" cy="934472"/>
+          </a:xfrm>
+          <a:prstGeom prst="rect">
+            <a:avLst/>
+          </a:prstGeom>
+          <a:solidFill>
+            <a:srgbClr val="FFFFCC"/>
+          </a:solidFill>
+          <a:ln>
+            <a:solidFill>
+              <a:schemeClr val="tx1"/>
+            </a:solidFill>
+          </a:ln>
+        </p:spPr>
+        <p:style>
+          <a:lnRef idx="2">
+            <a:schemeClr val="accent1">
+              <a:shade val="50000"/>
+            </a:schemeClr>
+          </a:lnRef>
+          <a:fillRef idx="1">
+            <a:schemeClr val="accent1"/>
+          </a:fillRef>
+          <a:effectRef idx="0">
+            <a:schemeClr val="accent1"/>
+          </a:effectRef>
+          <a:fontRef idx="minor">
+            <a:schemeClr val="lt1"/>
+          </a:fontRef>
+        </p:style>
+        <p:txBody>
+          <a:bodyPr rtlCol="0" anchor="ctr"/>
+          <a:lstStyle/>
+          <a:p>
+            <a:pPr algn="ctr"/>
+            <a:r>
+              <a:rPr lang="en-US" altLang="ko-KR" dirty="0" smtClean="0">
+                <a:solidFill>
+                  <a:schemeClr val="tx1"/>
+                </a:solidFill>
+              </a:rPr>
+              <a:t>Transformer</a:t>
+            </a:r>
+            <a:endParaRPr lang="ko-KR" altLang="en-US" dirty="0">
+              <a:solidFill>
+                <a:schemeClr val="tx1"/>
+              </a:solidFill>
+            </a:endParaRPr>
+          </a:p>
+        </p:txBody>
+      </p:sp>
+      <p:sp>
+        <p:nvSpPr>
+          <p:cNvPr id="10" name="직사각형 9"/>
+          <p:cNvSpPr/>
+          <p:nvPr/>
+        </p:nvSpPr>
+        <p:spPr>
+          <a:xfrm>
+            <a:off x="4862943" y="1567367"/>
+            <a:ext cx="2101185" cy="822036"/>
+          </a:xfrm>
+          <a:prstGeom prst="rect">
+            <a:avLst/>
+          </a:prstGeom>
+          <a:solidFill>
+            <a:schemeClr val="accent6">
+              <a:lumMod val="40000"/>
+              <a:lumOff val="60000"/>
+            </a:schemeClr>
+          </a:solidFill>
+          <a:ln>
+            <a:solidFill>
+              <a:schemeClr val="tx1"/>
+            </a:solidFill>
+          </a:ln>
+        </p:spPr>
+        <p:style>
+          <a:lnRef idx="2">
+            <a:schemeClr val="accent1">
+              <a:shade val="50000"/>
+            </a:schemeClr>
+          </a:lnRef>
+          <a:fillRef idx="1">
+            <a:schemeClr val="accent1"/>
+          </a:fillRef>
+          <a:effectRef idx="0">
+            <a:schemeClr val="accent1"/>
+          </a:effectRef>
+          <a:fontRef idx="minor">
+            <a:schemeClr val="lt1"/>
+          </a:fontRef>
+        </p:style>
+        <p:txBody>
+          <a:bodyPr rtlCol="0" anchor="ctr"/>
+          <a:lstStyle/>
+          <a:p>
+            <a:pPr algn="ctr"/>
+            <a:r>
+              <a:rPr lang="en-US" altLang="ko-KR" dirty="0" smtClean="0">
+                <a:solidFill>
+                  <a:schemeClr val="tx1"/>
+                </a:solidFill>
+              </a:rPr>
+              <a:t>Output</a:t>
+            </a:r>
+            <a:endParaRPr lang="ko-KR" altLang="en-US" dirty="0">
+              <a:solidFill>
+                <a:schemeClr val="tx1"/>
+              </a:solidFill>
+            </a:endParaRPr>
+          </a:p>
+        </p:txBody>
+      </p:sp>
+      <mc:AlternateContent xmlns:mc="http://schemas.openxmlformats.org/markup-compatibility/2006">
+        <mc:Choice xmlns:a14="http://schemas.microsoft.com/office/drawing/2010/main" Requires="a14">
+          <p:sp>
+            <p:nvSpPr>
+              <p:cNvPr id="11" name="직사각형 10"/>
+              <p:cNvSpPr/>
+              <p:nvPr/>
+            </p:nvSpPr>
+            <p:spPr>
+              <a:xfrm>
+                <a:off x="6788727" y="1052945"/>
+                <a:ext cx="4843496" cy="2314509"/>
+              </a:xfrm>
+              <a:prstGeom prst="rect">
+                <a:avLst/>
+              </a:prstGeom>
+              <a:solidFill>
+                <a:schemeClr val="accent4">
+                  <a:lumMod val="40000"/>
+                  <a:lumOff val="60000"/>
+                </a:schemeClr>
+              </a:solidFill>
+              <a:ln>
+                <a:solidFill>
+                  <a:schemeClr val="tx1"/>
+                </a:solidFill>
+              </a:ln>
+            </p:spPr>
+            <p:style>
+              <a:lnRef idx="2">
+                <a:schemeClr val="accent1">
+                  <a:shade val="50000"/>
+                </a:schemeClr>
+              </a:lnRef>
+              <a:fillRef idx="1">
+                <a:schemeClr val="accent1"/>
+              </a:fillRef>
+              <a:effectRef idx="0">
+                <a:schemeClr val="accent1"/>
+              </a:effectRef>
+              <a:fontRef idx="minor">
+                <a:schemeClr val="lt1"/>
+              </a:fontRef>
+            </p:style>
+            <p:txBody>
+              <a:bodyPr rtlCol="0" anchor="ctr"/>
+              <a:lstStyle/>
+              <a:p>
+                <a:pPr algn="ctr"/>
+                <a:r>
+                  <a:rPr lang="en-US" altLang="ko-KR" dirty="0" smtClean="0">
+                    <a:solidFill>
+                      <a:schemeClr val="tx1"/>
+                    </a:solidFill>
+                  </a:rPr>
+                  <a:t>[[</a:t>
+                </a:r>
+                <a14:m>
+                  <m:oMath xmlns:m="http://schemas.openxmlformats.org/officeDocument/2006/math">
+                    <m:r>
+                      <a:rPr lang="en-US" altLang="ko-KR" b="0" i="1" smtClean="0">
+                        <a:solidFill>
+                          <a:schemeClr val="tx1"/>
+                        </a:solidFill>
+                        <a:latin typeface="Cambria Math" panose="02040503050406030204" pitchFamily="18" charset="0"/>
+                      </a:rPr>
+                      <m:t>𝑝𝑒𝑎</m:t>
+                    </m:r>
+                    <m:sSub>
+                      <m:sSubPr>
+                        <m:ctrlPr>
+                          <a:rPr lang="en-US" altLang="ko-KR" b="0" i="1" smtClean="0">
+                            <a:solidFill>
+                              <a:schemeClr val="tx1"/>
+                            </a:solidFill>
+                            <a:latin typeface="Cambria Math" panose="02040503050406030204" pitchFamily="18" charset="0"/>
+                          </a:rPr>
+                        </m:ctrlPr>
+                      </m:sSubPr>
+                      <m:e>
+                        <m:r>
+                          <a:rPr lang="en-US" altLang="ko-KR" b="0" i="1" smtClean="0">
+                            <a:solidFill>
+                              <a:schemeClr val="tx1"/>
+                            </a:solidFill>
+                            <a:latin typeface="Cambria Math" panose="02040503050406030204" pitchFamily="18" charset="0"/>
+                          </a:rPr>
+                          <m:t>𝑘</m:t>
+                        </m:r>
+                      </m:e>
+                      <m:sub>
+                        <m:r>
+                          <a:rPr lang="en-US" altLang="ko-KR" b="0" i="1" smtClean="0">
+                            <a:solidFill>
+                              <a:schemeClr val="tx1"/>
+                            </a:solidFill>
+                            <a:latin typeface="Cambria Math" panose="02040503050406030204" pitchFamily="18" charset="0"/>
+                          </a:rPr>
+                          <m:t>1</m:t>
+                        </m:r>
+                      </m:sub>
+                    </m:sSub>
+                    <m:r>
+                      <a:rPr lang="en-US" altLang="ko-KR" b="0" i="1" smtClean="0">
+                        <a:solidFill>
+                          <a:schemeClr val="tx1"/>
+                        </a:solidFill>
+                        <a:latin typeface="Cambria Math" panose="02040503050406030204" pitchFamily="18" charset="0"/>
+                      </a:rPr>
+                      <m:t>, </m:t>
+                    </m:r>
+                    <m:r>
+                      <a:rPr lang="en-US" altLang="ko-KR" b="0" i="1" smtClean="0">
+                        <a:solidFill>
+                          <a:schemeClr val="tx1"/>
+                        </a:solidFill>
+                        <a:latin typeface="Cambria Math" panose="02040503050406030204" pitchFamily="18" charset="0"/>
+                      </a:rPr>
+                      <m:t>𝑝𝑒𝑎</m:t>
+                    </m:r>
+                    <m:sSub>
+                      <m:sSubPr>
+                        <m:ctrlPr>
+                          <a:rPr lang="en-US" altLang="ko-KR" b="0" i="1" smtClean="0">
+                            <a:solidFill>
+                              <a:schemeClr val="tx1"/>
+                            </a:solidFill>
+                            <a:latin typeface="Cambria Math" panose="02040503050406030204" pitchFamily="18" charset="0"/>
+                          </a:rPr>
+                        </m:ctrlPr>
+                      </m:sSubPr>
+                      <m:e>
+                        <m:r>
+                          <a:rPr lang="en-US" altLang="ko-KR" b="0" i="1" smtClean="0">
+                            <a:solidFill>
+                              <a:schemeClr val="tx1"/>
+                            </a:solidFill>
+                            <a:latin typeface="Cambria Math" panose="02040503050406030204" pitchFamily="18" charset="0"/>
+                          </a:rPr>
+                          <m:t>𝑘</m:t>
+                        </m:r>
+                      </m:e>
+                      <m:sub>
+                        <m:r>
+                          <a:rPr lang="en-US" altLang="ko-KR" b="0" i="1" smtClean="0">
+                            <a:solidFill>
+                              <a:schemeClr val="tx1"/>
+                            </a:solidFill>
+                            <a:latin typeface="Cambria Math" panose="02040503050406030204" pitchFamily="18" charset="0"/>
+                          </a:rPr>
+                          <m:t>2</m:t>
+                        </m:r>
+                      </m:sub>
+                    </m:sSub>
+                    <m:r>
+                      <a:rPr lang="en-US" altLang="ko-KR" b="0" i="1" smtClean="0">
+                        <a:solidFill>
+                          <a:schemeClr val="tx1"/>
+                        </a:solidFill>
+                        <a:latin typeface="Cambria Math" panose="02040503050406030204" pitchFamily="18" charset="0"/>
+                      </a:rPr>
+                      <m:t>, …</m:t>
+                    </m:r>
+                    <m:r>
+                      <a:rPr lang="en-US" altLang="ko-KR" b="0" i="1" smtClean="0">
+                        <a:solidFill>
+                          <a:schemeClr val="tx1"/>
+                        </a:solidFill>
+                        <a:latin typeface="Cambria Math" panose="02040503050406030204" pitchFamily="18" charset="0"/>
+                      </a:rPr>
+                      <m:t>𝑝𝑒𝑎</m:t>
+                    </m:r>
+                    <m:sSub>
+                      <m:sSubPr>
+                        <m:ctrlPr>
+                          <a:rPr lang="en-US" altLang="ko-KR" b="0" i="1" smtClean="0">
+                            <a:solidFill>
+                              <a:schemeClr val="tx1"/>
+                            </a:solidFill>
+                            <a:latin typeface="Cambria Math" panose="02040503050406030204" pitchFamily="18" charset="0"/>
+                          </a:rPr>
+                        </m:ctrlPr>
+                      </m:sSubPr>
+                      <m:e>
+                        <m:r>
+                          <a:rPr lang="en-US" altLang="ko-KR" b="0" i="1" smtClean="0">
+                            <a:solidFill>
+                              <a:schemeClr val="tx1"/>
+                            </a:solidFill>
+                            <a:latin typeface="Cambria Math" panose="02040503050406030204" pitchFamily="18" charset="0"/>
+                          </a:rPr>
+                          <m:t>𝑘</m:t>
+                        </m:r>
+                      </m:e>
+                      <m:sub>
+                        <m:r>
+                          <a:rPr lang="en-US" altLang="ko-KR" b="0" i="1" smtClean="0">
+                            <a:solidFill>
+                              <a:schemeClr val="tx1"/>
+                            </a:solidFill>
+                            <a:latin typeface="Cambria Math" panose="02040503050406030204" pitchFamily="18" charset="0"/>
+                          </a:rPr>
+                          <m:t>𝑛𝑢</m:t>
+                        </m:r>
+                        <m:sSub>
+                          <m:sSubPr>
+                            <m:ctrlPr>
+                              <a:rPr lang="en-US" altLang="ko-KR" b="0" i="1" smtClean="0">
+                                <a:solidFill>
+                                  <a:schemeClr val="tx1"/>
+                                </a:solidFill>
+                                <a:latin typeface="Cambria Math" panose="02040503050406030204" pitchFamily="18" charset="0"/>
+                              </a:rPr>
+                            </m:ctrlPr>
+                          </m:sSubPr>
+                          <m:e>
+                            <m:r>
+                              <a:rPr lang="en-US" altLang="ko-KR" b="0" i="1" smtClean="0">
+                                <a:solidFill>
+                                  <a:schemeClr val="tx1"/>
+                                </a:solidFill>
+                                <a:latin typeface="Cambria Math" panose="02040503050406030204" pitchFamily="18" charset="0"/>
+                              </a:rPr>
+                              <m:t>𝑚</m:t>
+                            </m:r>
+                          </m:e>
+                          <m:sub>
+                            <m:r>
+                              <a:rPr lang="en-US" altLang="ko-KR" b="0" i="1" smtClean="0">
+                                <a:solidFill>
+                                  <a:schemeClr val="tx1"/>
+                                </a:solidFill>
+                                <a:latin typeface="Cambria Math" panose="02040503050406030204" pitchFamily="18" charset="0"/>
+                              </a:rPr>
+                              <m:t>𝑝𝑒𝑎𝑘</m:t>
+                            </m:r>
+                          </m:sub>
+                        </m:sSub>
+                      </m:sub>
+                    </m:sSub>
+                  </m:oMath>
+                </a14:m>
+                <a:r>
+                  <a:rPr lang="en-US" altLang="ko-KR" b="0" dirty="0" smtClean="0">
+                    <a:solidFill>
+                      <a:schemeClr val="tx1"/>
+                    </a:solidFill>
+                  </a:rPr>
+                  <a:t>]</a:t>
+                </a:r>
+              </a:p>
+              <a:p>
+                <a:pPr algn="ctr"/>
+                <a:r>
+                  <a:rPr lang="en-US" altLang="ko-KR" dirty="0" smtClean="0">
+                    <a:solidFill>
+                      <a:schemeClr val="tx1"/>
+                    </a:solidFill>
+                  </a:rPr>
+                  <a:t>…</a:t>
+                </a:r>
+              </a:p>
+              <a:p>
+                <a:pPr algn="ctr"/>
+                <a:r>
+                  <a:rPr lang="en-US" altLang="ko-KR" dirty="0" smtClean="0">
+                    <a:solidFill>
+                      <a:schemeClr val="tx1"/>
+                    </a:solidFill>
+                  </a:rPr>
+                  <a:t>[</a:t>
+                </a:r>
+                <a14:m>
+                  <m:oMath xmlns:m="http://schemas.openxmlformats.org/officeDocument/2006/math">
+                    <m:r>
+                      <a:rPr lang="en-US" altLang="ko-KR" b="0" i="1" smtClean="0">
+                        <a:solidFill>
+                          <a:schemeClr val="tx1"/>
+                        </a:solidFill>
+                        <a:latin typeface="Cambria Math" panose="02040503050406030204" pitchFamily="18" charset="0"/>
+                      </a:rPr>
+                      <m:t>𝑝𝑒𝑎</m:t>
+                    </m:r>
+                    <m:sSub>
+                      <m:sSubPr>
+                        <m:ctrlPr>
+                          <a:rPr lang="en-US" altLang="ko-KR" b="0" i="1" smtClean="0">
+                            <a:solidFill>
+                              <a:schemeClr val="tx1"/>
+                            </a:solidFill>
+                            <a:latin typeface="Cambria Math" panose="02040503050406030204" pitchFamily="18" charset="0"/>
+                          </a:rPr>
+                        </m:ctrlPr>
+                      </m:sSubPr>
+                      <m:e>
+                        <m:r>
+                          <a:rPr lang="en-US" altLang="ko-KR" b="0" i="1" smtClean="0">
+                            <a:solidFill>
+                              <a:schemeClr val="tx1"/>
+                            </a:solidFill>
+                            <a:latin typeface="Cambria Math" panose="02040503050406030204" pitchFamily="18" charset="0"/>
+                          </a:rPr>
+                          <m:t>𝑘</m:t>
+                        </m:r>
+                      </m:e>
+                      <m:sub>
+                        <m:r>
+                          <a:rPr lang="en-US" altLang="ko-KR" b="0" i="1" smtClean="0">
+                            <a:solidFill>
+                              <a:schemeClr val="tx1"/>
+                            </a:solidFill>
+                            <a:latin typeface="Cambria Math" panose="02040503050406030204" pitchFamily="18" charset="0"/>
+                          </a:rPr>
+                          <m:t>1</m:t>
+                        </m:r>
+                      </m:sub>
+                    </m:sSub>
+                    <m:r>
+                      <a:rPr lang="en-US" altLang="ko-KR" b="0" i="1" smtClean="0">
+                        <a:solidFill>
+                          <a:schemeClr val="tx1"/>
+                        </a:solidFill>
+                        <a:latin typeface="Cambria Math" panose="02040503050406030204" pitchFamily="18" charset="0"/>
+                      </a:rPr>
+                      <m:t>, </m:t>
+                    </m:r>
+                    <m:r>
+                      <a:rPr lang="en-US" altLang="ko-KR" b="0" i="1" smtClean="0">
+                        <a:solidFill>
+                          <a:schemeClr val="tx1"/>
+                        </a:solidFill>
+                        <a:latin typeface="Cambria Math" panose="02040503050406030204" pitchFamily="18" charset="0"/>
+                      </a:rPr>
+                      <m:t>𝑝𝑒𝑎</m:t>
+                    </m:r>
+                    <m:sSub>
+                      <m:sSubPr>
+                        <m:ctrlPr>
+                          <a:rPr lang="en-US" altLang="ko-KR" b="0" i="1" smtClean="0">
+                            <a:solidFill>
+                              <a:schemeClr val="tx1"/>
+                            </a:solidFill>
+                            <a:latin typeface="Cambria Math" panose="02040503050406030204" pitchFamily="18" charset="0"/>
+                          </a:rPr>
+                        </m:ctrlPr>
+                      </m:sSubPr>
+                      <m:e>
+                        <m:r>
+                          <a:rPr lang="en-US" altLang="ko-KR" b="0" i="1" smtClean="0">
+                            <a:solidFill>
+                              <a:schemeClr val="tx1"/>
+                            </a:solidFill>
+                            <a:latin typeface="Cambria Math" panose="02040503050406030204" pitchFamily="18" charset="0"/>
+                          </a:rPr>
+                          <m:t>𝑘</m:t>
+                        </m:r>
+                      </m:e>
+                      <m:sub>
+                        <m:r>
+                          <a:rPr lang="en-US" altLang="ko-KR" b="0" i="1" smtClean="0">
+                            <a:solidFill>
+                              <a:schemeClr val="tx1"/>
+                            </a:solidFill>
+                            <a:latin typeface="Cambria Math" panose="02040503050406030204" pitchFamily="18" charset="0"/>
+                          </a:rPr>
+                          <m:t>2</m:t>
+                        </m:r>
+                      </m:sub>
+                    </m:sSub>
+                    <m:r>
+                      <a:rPr lang="en-US" altLang="ko-KR" b="0" i="1" smtClean="0">
+                        <a:solidFill>
+                          <a:schemeClr val="tx1"/>
+                        </a:solidFill>
+                        <a:latin typeface="Cambria Math" panose="02040503050406030204" pitchFamily="18" charset="0"/>
+                      </a:rPr>
+                      <m:t>, …</m:t>
+                    </m:r>
+                    <m:r>
+                      <a:rPr lang="en-US" altLang="ko-KR" b="0" i="1" smtClean="0">
+                        <a:solidFill>
+                          <a:schemeClr val="tx1"/>
+                        </a:solidFill>
+                        <a:latin typeface="Cambria Math" panose="02040503050406030204" pitchFamily="18" charset="0"/>
+                      </a:rPr>
+                      <m:t>𝑝𝑒𝑎</m:t>
+                    </m:r>
+                    <m:sSub>
+                      <m:sSubPr>
+                        <m:ctrlPr>
+                          <a:rPr lang="en-US" altLang="ko-KR" b="0" i="1" smtClean="0">
+                            <a:solidFill>
+                              <a:schemeClr val="tx1"/>
+                            </a:solidFill>
+                            <a:latin typeface="Cambria Math" panose="02040503050406030204" pitchFamily="18" charset="0"/>
+                          </a:rPr>
+                        </m:ctrlPr>
+                      </m:sSubPr>
+                      <m:e>
+                        <m:r>
+                          <a:rPr lang="en-US" altLang="ko-KR" b="0" i="1" smtClean="0">
+                            <a:solidFill>
+                              <a:schemeClr val="tx1"/>
+                            </a:solidFill>
+                            <a:latin typeface="Cambria Math" panose="02040503050406030204" pitchFamily="18" charset="0"/>
+                          </a:rPr>
+                          <m:t>𝑘</m:t>
+                        </m:r>
+                      </m:e>
+                      <m:sub>
+                        <m:r>
+                          <a:rPr lang="en-US" altLang="ko-KR" b="0" i="1" smtClean="0">
+                            <a:solidFill>
+                              <a:schemeClr val="tx1"/>
+                            </a:solidFill>
+                            <a:latin typeface="Cambria Math" panose="02040503050406030204" pitchFamily="18" charset="0"/>
+                          </a:rPr>
+                          <m:t>𝑛𝑢</m:t>
+                        </m:r>
+                        <m:sSub>
+                          <m:sSubPr>
+                            <m:ctrlPr>
+                              <a:rPr lang="en-US" altLang="ko-KR" b="0" i="1" smtClean="0">
+                                <a:solidFill>
+                                  <a:schemeClr val="tx1"/>
+                                </a:solidFill>
+                                <a:latin typeface="Cambria Math" panose="02040503050406030204" pitchFamily="18" charset="0"/>
+                              </a:rPr>
+                            </m:ctrlPr>
+                          </m:sSubPr>
+                          <m:e>
+                            <m:r>
+                              <a:rPr lang="en-US" altLang="ko-KR" b="0" i="1" smtClean="0">
+                                <a:solidFill>
+                                  <a:schemeClr val="tx1"/>
+                                </a:solidFill>
+                                <a:latin typeface="Cambria Math" panose="02040503050406030204" pitchFamily="18" charset="0"/>
+                              </a:rPr>
+                              <m:t>𝑚</m:t>
+                            </m:r>
+                          </m:e>
+                          <m:sub>
+                            <m:r>
+                              <a:rPr lang="en-US" altLang="ko-KR" b="0" i="1" smtClean="0">
+                                <a:solidFill>
+                                  <a:schemeClr val="tx1"/>
+                                </a:solidFill>
+                                <a:latin typeface="Cambria Math" panose="02040503050406030204" pitchFamily="18" charset="0"/>
+                              </a:rPr>
+                              <m:t>𝑝𝑒𝑎𝑘</m:t>
+                            </m:r>
+                          </m:sub>
+                        </m:sSub>
+                      </m:sub>
+                    </m:sSub>
+                  </m:oMath>
+                </a14:m>
+                <a:r>
+                  <a:rPr lang="en-US" altLang="ko-KR" dirty="0" smtClean="0">
+                    <a:solidFill>
+                      <a:schemeClr val="tx1"/>
+                    </a:solidFill>
+                  </a:rPr>
+                  <a:t>]]</a:t>
+                </a:r>
+                <a:endParaRPr lang="en-US" altLang="ko-KR" dirty="0">
+                  <a:solidFill>
+                    <a:schemeClr val="tx1"/>
+                  </a:solidFill>
+                </a:endParaRPr>
+              </a:p>
+            </p:txBody>
+          </p:sp>
+        </mc:Choice>
+        <mc:Fallback>
+          <p:sp>
+            <p:nvSpPr>
+              <p:cNvPr id="11" name="직사각형 10"/>
+              <p:cNvSpPr>
+                <a:spLocks noRot="1" noChangeAspect="1" noMove="1" noResize="1" noEditPoints="1" noAdjustHandles="1" noChangeArrowheads="1" noChangeShapeType="1" noTextEdit="1"/>
+              </p:cNvSpPr>
+              <p:nvPr/>
+            </p:nvSpPr>
+            <p:spPr>
+              <a:xfrm>
+                <a:off x="6788727" y="1052945"/>
+                <a:ext cx="4843496" cy="2314509"/>
+              </a:xfrm>
+              <a:prstGeom prst="rect">
+                <a:avLst/>
+              </a:prstGeom>
+              <a:blipFill>
+                <a:blip r:embed="rId2"/>
+                <a:stretch>
+                  <a:fillRect/>
+                </a:stretch>
+              </a:blipFill>
+              <a:ln>
+                <a:solidFill>
+                  <a:schemeClr val="tx1"/>
+                </a:solidFill>
+              </a:ln>
+            </p:spPr>
+            <p:txBody>
+              <a:bodyPr/>
+              <a:lstStyle/>
+              <a:p>
+                <a:r>
+                  <a:rPr lang="ko-KR" altLang="en-US">
+                    <a:noFill/>
+                  </a:rPr>
+                  <a:t> </a:t>
+                </a:r>
+              </a:p>
+            </p:txBody>
+          </p:sp>
+        </mc:Fallback>
+      </mc:AlternateContent>
+      <p:cxnSp>
+        <p:nvCxnSpPr>
+          <p:cNvPr id="5" name="직선 화살표 연결선 4"/>
+          <p:cNvCxnSpPr/>
+          <p:nvPr/>
+        </p:nvCxnSpPr>
+        <p:spPr>
+          <a:xfrm>
+            <a:off x="9214338" y="2945423"/>
+            <a:ext cx="0" cy="1450731"/>
+          </a:xfrm>
+          <a:prstGeom prst="straightConnector1">
+            <a:avLst/>
+          </a:prstGeom>
+          <a:ln w="38100">
+            <a:solidFill>
+              <a:schemeClr val="tx1"/>
+            </a:solidFill>
+            <a:tailEnd type="triangle"/>
+          </a:ln>
+        </p:spPr>
+        <p:style>
+          <a:lnRef idx="1">
+            <a:schemeClr val="accent1"/>
+          </a:lnRef>
+          <a:fillRef idx="0">
+            <a:schemeClr val="accent1"/>
+          </a:fillRef>
+          <a:effectRef idx="0">
+            <a:schemeClr val="accent1"/>
+          </a:effectRef>
+          <a:fontRef idx="minor">
+            <a:schemeClr val="tx1"/>
+          </a:fontRef>
+        </p:style>
+      </p:cxnSp>
+      <p:sp>
+        <p:nvSpPr>
+          <p:cNvPr id="6" name="TextBox 5"/>
+          <p:cNvSpPr txBox="1"/>
+          <p:nvPr/>
+        </p:nvSpPr>
+        <p:spPr>
+          <a:xfrm>
+            <a:off x="7342909" y="4692073"/>
+            <a:ext cx="4289314" cy="2031325"/>
+          </a:xfrm>
+          <a:prstGeom prst="rect">
+            <a:avLst/>
+          </a:prstGeom>
+          <a:noFill/>
+        </p:spPr>
+        <p:txBody>
+          <a:bodyPr wrap="square" rtlCol="0">
+            <a:spAutoFit/>
+          </a:bodyPr>
+          <a:lstStyle/>
+          <a:p>
+            <a:r>
+              <a:rPr lang="en-US" altLang="ko-KR" dirty="0" smtClean="0"/>
+              <a:t>Inference mode </a:t>
+            </a:r>
+            <a:r>
+              <a:rPr lang="ko-KR" altLang="en-US" dirty="0" smtClean="0"/>
+              <a:t>에서는</a:t>
+            </a:r>
+            <a:r>
+              <a:rPr lang="en-US" altLang="ko-KR" dirty="0" smtClean="0"/>
+              <a:t>, </a:t>
+            </a:r>
+          </a:p>
+          <a:p>
+            <a:endParaRPr lang="en-US" altLang="ko-KR" dirty="0" smtClean="0"/>
+          </a:p>
+          <a:p>
+            <a:r>
+              <a:rPr lang="ko-KR" altLang="en-US" dirty="0" smtClean="0"/>
+              <a:t>이걸 어떠한 방식으로 가공하여</a:t>
+            </a:r>
+            <a:endParaRPr lang="en-US" altLang="ko-KR" dirty="0" smtClean="0"/>
+          </a:p>
+          <a:p>
+            <a:endParaRPr lang="en-US" altLang="ko-KR" dirty="0"/>
+          </a:p>
+          <a:p>
+            <a:r>
+              <a:rPr lang="ko-KR" altLang="en-US" dirty="0" smtClean="0"/>
+              <a:t>노이즈가 제거된 </a:t>
+            </a:r>
+            <a:r>
+              <a:rPr lang="en-US" altLang="ko-KR" dirty="0" smtClean="0"/>
+              <a:t>.</a:t>
+            </a:r>
+            <a:r>
+              <a:rPr lang="en-US" altLang="ko-KR" dirty="0" err="1" smtClean="0"/>
+              <a:t>mgf</a:t>
+            </a:r>
+            <a:r>
+              <a:rPr lang="en-US" altLang="ko-KR" dirty="0" smtClean="0"/>
+              <a:t> </a:t>
+            </a:r>
+            <a:r>
+              <a:rPr lang="ko-KR" altLang="en-US" dirty="0" smtClean="0"/>
+              <a:t>파일을 출력해야 함</a:t>
+            </a:r>
+            <a:endParaRPr lang="en-US" altLang="ko-KR" dirty="0" smtClean="0"/>
+          </a:p>
+          <a:p>
+            <a:endParaRPr lang="en-US" altLang="ko-KR" dirty="0"/>
+          </a:p>
+          <a:p>
+            <a:r>
+              <a:rPr lang="en-US" altLang="ko-KR" dirty="0" smtClean="0"/>
+              <a:t>: </a:t>
+            </a:r>
+            <a:r>
+              <a:rPr lang="ko-KR" altLang="en-US" dirty="0" err="1" smtClean="0"/>
+              <a:t>후처리의</a:t>
+            </a:r>
+            <a:r>
+              <a:rPr lang="ko-KR" altLang="en-US" dirty="0" smtClean="0"/>
+              <a:t> 목표</a:t>
+            </a:r>
+            <a:endParaRPr lang="ko-KR" altLang="en-US" dirty="0"/>
+          </a:p>
+        </p:txBody>
+      </p:sp>
+    </p:spTree>
+    <p:extLst>
+      <p:ext uri="{BB962C8B-B14F-4D97-AF65-F5344CB8AC3E}">
+        <p14:creationId xmlns:p14="http://schemas.microsoft.com/office/powerpoint/2010/main" val="3925139746"/>
+      </p:ext>
+    </p:extLst>
+  </p:cSld>
+  <p:clrMapOvr>
+    <a:masterClrMapping/>
+  </p:clrMapOvr>
+  <p:timing>
+    <p:tnLst>
+      <p:par>
+        <p:cTn id="1" dur="indefinite" restart="never" nodeType="tmRoot"/>
+      </p:par>
+    </p:tnLst>
+  </p:timing>
+</p:sld>
+</file>
+
 <file path=ppt/slides/slide4.xml><?xml version="1.0" encoding="utf-8"?>
 <p:sld xmlns:a="http://schemas.openxmlformats.org/drawingml/2006/main" xmlns:r="http://schemas.openxmlformats.org/officeDocument/2006/relationships" xmlns:p="http://schemas.openxmlformats.org/presentationml/2006/main">
   <p:cSld>
@@ -33361,8 +34471,8 @@
         </p:nvSpPr>
         <p:spPr>
           <a:xfrm>
-            <a:off x="6026725" y="3017984"/>
-            <a:ext cx="5454075" cy="2653144"/>
+            <a:off x="6128237" y="4273621"/>
+            <a:ext cx="2088575" cy="492459"/>
           </a:xfrm>
           <a:prstGeom prst="rect">
             <a:avLst/>
@@ -33401,220 +34511,12 @@
           <a:p>
             <a:pPr algn="ctr"/>
             <a:r>
-              <a:rPr lang="ko-KR" altLang="en-US" dirty="0" smtClean="0">
-                <a:solidFill>
-                  <a:schemeClr val="tx1"/>
-                </a:solidFill>
-              </a:rPr>
-              <a:t>한번에 </a:t>
-            </a:r>
-            <a:r>
               <a:rPr lang="en-US" altLang="ko-KR" dirty="0" smtClean="0">
                 <a:solidFill>
                   <a:schemeClr val="tx1"/>
                 </a:solidFill>
               </a:rPr>
-              <a:t>batch</a:t>
-            </a:r>
-            <a:r>
-              <a:rPr lang="ko-KR" altLang="en-US" dirty="0" smtClean="0">
-                <a:solidFill>
-                  <a:schemeClr val="tx1"/>
-                </a:solidFill>
-              </a:rPr>
-              <a:t>만큼의 </a:t>
-            </a:r>
-            <a:r>
-              <a:rPr lang="en-US" altLang="ko-KR" dirty="0" smtClean="0">
-                <a:solidFill>
-                  <a:schemeClr val="tx1"/>
-                </a:solidFill>
-              </a:rPr>
-              <a:t>spectrum </a:t>
-            </a:r>
-            <a:r>
-              <a:rPr lang="ko-KR" altLang="en-US" dirty="0" smtClean="0">
-                <a:solidFill>
-                  <a:schemeClr val="tx1"/>
-                </a:solidFill>
-              </a:rPr>
-              <a:t>씩</a:t>
-            </a:r>
-            <a:endParaRPr lang="en-US" altLang="ko-KR" dirty="0" smtClean="0">
-              <a:solidFill>
-                <a:schemeClr val="tx1"/>
-              </a:solidFill>
-            </a:endParaRPr>
-          </a:p>
-          <a:p>
-            <a:pPr algn="ctr"/>
-            <a:r>
-              <a:rPr lang="en-US" altLang="ko-KR" dirty="0" smtClean="0">
-                <a:solidFill>
-                  <a:schemeClr val="tx1"/>
-                </a:solidFill>
-              </a:rPr>
-              <a:t>batch</a:t>
-            </a:r>
-            <a:r>
-              <a:rPr lang="ko-KR" altLang="en-US" dirty="0" smtClean="0">
-                <a:solidFill>
-                  <a:schemeClr val="tx1"/>
-                </a:solidFill>
-              </a:rPr>
-              <a:t> 개수만큼 </a:t>
-            </a:r>
-            <a:r>
-              <a:rPr lang="en-US" altLang="ko-KR" dirty="0" smtClean="0">
-                <a:solidFill>
-                  <a:schemeClr val="tx1"/>
-                </a:solidFill>
-              </a:rPr>
-              <a:t>train step </a:t>
-            </a:r>
-            <a:r>
-              <a:rPr lang="ko-KR" altLang="en-US" dirty="0" smtClean="0">
-                <a:solidFill>
-                  <a:schemeClr val="tx1"/>
-                </a:solidFill>
-              </a:rPr>
-              <a:t>진행</a:t>
-            </a:r>
-            <a:endParaRPr lang="en-US" altLang="ko-KR" dirty="0" smtClean="0">
-              <a:solidFill>
-                <a:schemeClr val="tx1"/>
-              </a:solidFill>
-            </a:endParaRPr>
-          </a:p>
-          <a:p>
-            <a:pPr algn="ctr"/>
-            <a:endParaRPr lang="en-US" altLang="ko-KR" dirty="0">
-              <a:solidFill>
-                <a:schemeClr val="tx1"/>
-              </a:solidFill>
-            </a:endParaRPr>
-          </a:p>
-          <a:p>
-            <a:pPr algn="ctr"/>
-            <a:r>
-              <a:rPr lang="ko-KR" altLang="en-US" dirty="0" smtClean="0">
-                <a:solidFill>
-                  <a:schemeClr val="tx1"/>
-                </a:solidFill>
-              </a:rPr>
-              <a:t>만들어진 </a:t>
-            </a:r>
-            <a:r>
-              <a:rPr lang="en-US" altLang="ko-KR" dirty="0" smtClean="0">
-                <a:solidFill>
-                  <a:schemeClr val="tx1"/>
-                </a:solidFill>
-              </a:rPr>
-              <a:t>3</a:t>
-            </a:r>
-            <a:r>
-              <a:rPr lang="ko-KR" altLang="en-US" dirty="0" smtClean="0">
-                <a:solidFill>
-                  <a:schemeClr val="tx1"/>
-                </a:solidFill>
-              </a:rPr>
-              <a:t>차원 </a:t>
-            </a:r>
-            <a:r>
-              <a:rPr lang="en-US" altLang="ko-KR" dirty="0" smtClean="0">
-                <a:solidFill>
-                  <a:schemeClr val="tx1"/>
-                </a:solidFill>
-              </a:rPr>
-              <a:t>Tensor dataset</a:t>
-            </a:r>
-            <a:r>
-              <a:rPr lang="ko-KR" altLang="en-US" dirty="0" smtClean="0">
-                <a:solidFill>
-                  <a:schemeClr val="tx1"/>
-                </a:solidFill>
-              </a:rPr>
-              <a:t>에서</a:t>
-            </a:r>
-            <a:endParaRPr lang="en-US" altLang="ko-KR" dirty="0">
-              <a:solidFill>
-                <a:schemeClr val="tx1"/>
-              </a:solidFill>
-            </a:endParaRPr>
-          </a:p>
-          <a:p>
-            <a:pPr algn="ctr"/>
-            <a:r>
-              <a:rPr lang="en-US" altLang="ko-KR" dirty="0" smtClean="0">
-                <a:solidFill>
-                  <a:schemeClr val="tx1"/>
-                </a:solidFill>
-              </a:rPr>
-              <a:t>batch </a:t>
-            </a:r>
-            <a:r>
-              <a:rPr lang="ko-KR" altLang="en-US" dirty="0" smtClean="0">
-                <a:solidFill>
-                  <a:schemeClr val="tx1"/>
-                </a:solidFill>
-              </a:rPr>
-              <a:t>만들어서</a:t>
-            </a:r>
-            <a:endParaRPr lang="en-US" altLang="ko-KR" dirty="0" smtClean="0">
-              <a:solidFill>
-                <a:schemeClr val="tx1"/>
-              </a:solidFill>
-            </a:endParaRPr>
-          </a:p>
-          <a:p>
-            <a:pPr algn="ctr"/>
-            <a:r>
-              <a:rPr lang="en-US" altLang="ko-KR" dirty="0" smtClean="0">
-                <a:solidFill>
-                  <a:schemeClr val="tx1"/>
-                </a:solidFill>
-              </a:rPr>
-              <a:t>3</a:t>
-            </a:r>
-            <a:r>
-              <a:rPr lang="ko-KR" altLang="en-US" dirty="0" smtClean="0">
-                <a:solidFill>
-                  <a:schemeClr val="tx1"/>
-                </a:solidFill>
-              </a:rPr>
-              <a:t>차원 </a:t>
-            </a:r>
-            <a:r>
-              <a:rPr lang="en-US" altLang="ko-KR" dirty="0" smtClean="0">
-                <a:solidFill>
-                  <a:schemeClr val="tx1"/>
-                </a:solidFill>
-              </a:rPr>
-              <a:t>Tensor</a:t>
-            </a:r>
-            <a:r>
-              <a:rPr lang="ko-KR" altLang="en-US" dirty="0" smtClean="0">
-                <a:solidFill>
-                  <a:schemeClr val="tx1"/>
-                </a:solidFill>
-              </a:rPr>
-              <a:t>를 </a:t>
-            </a:r>
-            <a:r>
-              <a:rPr lang="en-US" altLang="ko-KR" dirty="0" smtClean="0">
-                <a:solidFill>
-                  <a:schemeClr val="tx1"/>
-                </a:solidFill>
-              </a:rPr>
-              <a:t>Encoder input </a:t>
-            </a:r>
-            <a:r>
-              <a:rPr lang="ko-KR" altLang="en-US" dirty="0" smtClean="0">
-                <a:solidFill>
-                  <a:schemeClr val="tx1"/>
-                </a:solidFill>
-              </a:rPr>
-              <a:t>으로 사용</a:t>
+              <a:t>This is dataset</a:t>
             </a:r>
             <a:endParaRPr lang="ko-KR" altLang="en-US" dirty="0">
               <a:solidFill>
@@ -34087,277 +34989,6 @@
       </p:sp>
       <p:sp>
         <p:nvSpPr>
-          <p:cNvPr id="34" name="직사각형 33"/>
-          <p:cNvSpPr/>
-          <p:nvPr/>
-        </p:nvSpPr>
-        <p:spPr>
-          <a:xfrm>
-            <a:off x="6026725" y="3017984"/>
-            <a:ext cx="5454075" cy="2653144"/>
-          </a:xfrm>
-          <a:prstGeom prst="rect">
-            <a:avLst/>
-          </a:prstGeom>
-          <a:solidFill>
-            <a:schemeClr val="accent1">
-              <a:lumMod val="20000"/>
-              <a:lumOff val="80000"/>
-            </a:schemeClr>
-          </a:solidFill>
-          <a:ln>
-            <a:solidFill>
-              <a:schemeClr val="tx1"/>
-            </a:solidFill>
-          </a:ln>
-        </p:spPr>
-        <p:style>
-          <a:lnRef idx="2">
-            <a:schemeClr val="accent1">
-              <a:shade val="50000"/>
-            </a:schemeClr>
-          </a:lnRef>
-          <a:fillRef idx="1">
-            <a:schemeClr val="accent1"/>
-          </a:fillRef>
-          <a:effectRef idx="0">
-            <a:schemeClr val="accent1"/>
-          </a:effectRef>
-          <a:fontRef idx="minor">
-            <a:schemeClr val="lt1"/>
-          </a:fontRef>
-        </p:style>
-        <p:txBody>
-          <a:bodyPr rtlCol="0" anchor="ctr"/>
-          <a:lstStyle/>
-          <a:p>
-            <a:pPr algn="ctr"/>
-            <a:r>
-              <a:rPr lang="ko-KR" altLang="en-US" dirty="0" smtClean="0">
-                <a:solidFill>
-                  <a:schemeClr val="tx1"/>
-                </a:solidFill>
-              </a:rPr>
-              <a:t>한번에 </a:t>
-            </a:r>
-            <a:r>
-              <a:rPr lang="en-US" altLang="ko-KR" dirty="0" smtClean="0">
-                <a:solidFill>
-                  <a:schemeClr val="tx1"/>
-                </a:solidFill>
-              </a:rPr>
-              <a:t>batch</a:t>
-            </a:r>
-            <a:r>
-              <a:rPr lang="ko-KR" altLang="en-US" dirty="0" smtClean="0">
-                <a:solidFill>
-                  <a:schemeClr val="tx1"/>
-                </a:solidFill>
-              </a:rPr>
-              <a:t>만큼의 </a:t>
-            </a:r>
-            <a:r>
-              <a:rPr lang="en-US" altLang="ko-KR" dirty="0" smtClean="0">
-                <a:solidFill>
-                  <a:schemeClr val="tx1"/>
-                </a:solidFill>
-              </a:rPr>
-              <a:t>spectrum </a:t>
-            </a:r>
-            <a:r>
-              <a:rPr lang="ko-KR" altLang="en-US" dirty="0" smtClean="0">
-                <a:solidFill>
-                  <a:schemeClr val="tx1"/>
-                </a:solidFill>
-              </a:rPr>
-              <a:t>씩</a:t>
-            </a:r>
-            <a:endParaRPr lang="en-US" altLang="ko-KR" dirty="0" smtClean="0">
-              <a:solidFill>
-                <a:schemeClr val="tx1"/>
-              </a:solidFill>
-            </a:endParaRPr>
-          </a:p>
-          <a:p>
-            <a:pPr algn="ctr"/>
-            <a:r>
-              <a:rPr lang="en-US" altLang="ko-KR" dirty="0" smtClean="0">
-                <a:solidFill>
-                  <a:schemeClr val="tx1"/>
-                </a:solidFill>
-              </a:rPr>
-              <a:t>batch</a:t>
-            </a:r>
-            <a:r>
-              <a:rPr lang="ko-KR" altLang="en-US" dirty="0" smtClean="0">
-                <a:solidFill>
-                  <a:schemeClr val="tx1"/>
-                </a:solidFill>
-              </a:rPr>
-              <a:t> 개수만큼 </a:t>
-            </a:r>
-            <a:r>
-              <a:rPr lang="en-US" altLang="ko-KR" dirty="0" smtClean="0">
-                <a:solidFill>
-                  <a:schemeClr val="tx1"/>
-                </a:solidFill>
-              </a:rPr>
-              <a:t>train step </a:t>
-            </a:r>
-            <a:r>
-              <a:rPr lang="ko-KR" altLang="en-US" dirty="0" smtClean="0">
-                <a:solidFill>
-                  <a:schemeClr val="tx1"/>
-                </a:solidFill>
-              </a:rPr>
-              <a:t>진행</a:t>
-            </a:r>
-            <a:endParaRPr lang="en-US" altLang="ko-KR" dirty="0" smtClean="0">
-              <a:solidFill>
-                <a:schemeClr val="tx1"/>
-              </a:solidFill>
-            </a:endParaRPr>
-          </a:p>
-          <a:p>
-            <a:pPr algn="ctr"/>
-            <a:endParaRPr lang="en-US" altLang="ko-KR" dirty="0">
-              <a:solidFill>
-                <a:schemeClr val="tx1"/>
-              </a:solidFill>
-            </a:endParaRPr>
-          </a:p>
-          <a:p>
-            <a:pPr algn="ctr"/>
-            <a:r>
-              <a:rPr lang="ko-KR" altLang="en-US" dirty="0" smtClean="0">
-                <a:solidFill>
-                  <a:schemeClr val="tx1"/>
-                </a:solidFill>
-              </a:rPr>
-              <a:t>만들어진 </a:t>
-            </a:r>
-            <a:r>
-              <a:rPr lang="en-US" altLang="ko-KR" dirty="0" smtClean="0">
-                <a:solidFill>
-                  <a:schemeClr val="tx1"/>
-                </a:solidFill>
-              </a:rPr>
-              <a:t>3</a:t>
-            </a:r>
-            <a:r>
-              <a:rPr lang="ko-KR" altLang="en-US" dirty="0" smtClean="0">
-                <a:solidFill>
-                  <a:schemeClr val="tx1"/>
-                </a:solidFill>
-              </a:rPr>
-              <a:t>차원 </a:t>
-            </a:r>
-            <a:r>
-              <a:rPr lang="en-US" altLang="ko-KR" dirty="0" smtClean="0">
-                <a:solidFill>
-                  <a:schemeClr val="tx1"/>
-                </a:solidFill>
-              </a:rPr>
-              <a:t>Tensor dataset</a:t>
-            </a:r>
-            <a:r>
-              <a:rPr lang="ko-KR" altLang="en-US" dirty="0" smtClean="0">
-                <a:solidFill>
-                  <a:schemeClr val="tx1"/>
-                </a:solidFill>
-              </a:rPr>
-              <a:t>에서</a:t>
-            </a:r>
-            <a:endParaRPr lang="en-US" altLang="ko-KR" dirty="0">
-              <a:solidFill>
-                <a:schemeClr val="tx1"/>
-              </a:solidFill>
-            </a:endParaRPr>
-          </a:p>
-          <a:p>
-            <a:pPr algn="ctr"/>
-            <a:r>
-              <a:rPr lang="en-US" altLang="ko-KR" dirty="0" smtClean="0">
-                <a:solidFill>
-                  <a:schemeClr val="tx1"/>
-                </a:solidFill>
-              </a:rPr>
-              <a:t>batch </a:t>
-            </a:r>
-            <a:r>
-              <a:rPr lang="ko-KR" altLang="en-US" dirty="0" smtClean="0">
-                <a:solidFill>
-                  <a:schemeClr val="tx1"/>
-                </a:solidFill>
-              </a:rPr>
-              <a:t>만들어서</a:t>
-            </a:r>
-            <a:endParaRPr lang="en-US" altLang="ko-KR" dirty="0" smtClean="0">
-              <a:solidFill>
-                <a:schemeClr val="tx1"/>
-              </a:solidFill>
-            </a:endParaRPr>
-          </a:p>
-          <a:p>
-            <a:pPr algn="ctr"/>
-            <a:r>
-              <a:rPr lang="en-US" altLang="ko-KR" dirty="0" smtClean="0">
-                <a:solidFill>
-                  <a:schemeClr val="tx1"/>
-                </a:solidFill>
-              </a:rPr>
-              <a:t>3</a:t>
-            </a:r>
-            <a:r>
-              <a:rPr lang="ko-KR" altLang="en-US" dirty="0" smtClean="0">
-                <a:solidFill>
-                  <a:schemeClr val="tx1"/>
-                </a:solidFill>
-              </a:rPr>
-              <a:t>차원 </a:t>
-            </a:r>
-            <a:r>
-              <a:rPr lang="en-US" altLang="ko-KR" dirty="0" smtClean="0">
-                <a:solidFill>
-                  <a:schemeClr val="tx1"/>
-                </a:solidFill>
-              </a:rPr>
-              <a:t>Tensor</a:t>
-            </a:r>
-            <a:r>
-              <a:rPr lang="ko-KR" altLang="en-US" dirty="0" smtClean="0">
-                <a:solidFill>
-                  <a:schemeClr val="tx1"/>
-                </a:solidFill>
-              </a:rPr>
-              <a:t>를 </a:t>
-            </a:r>
-            <a:r>
-              <a:rPr lang="en-US" altLang="ko-KR" dirty="0" smtClean="0">
-                <a:solidFill>
-                  <a:schemeClr val="tx1"/>
-                </a:solidFill>
-              </a:rPr>
-              <a:t>Encoder input </a:t>
-            </a:r>
-            <a:r>
-              <a:rPr lang="ko-KR" altLang="en-US" dirty="0" smtClean="0">
-                <a:solidFill>
-                  <a:schemeClr val="tx1"/>
-                </a:solidFill>
-              </a:rPr>
-              <a:t>으로 사용</a:t>
-            </a:r>
-            <a:endParaRPr lang="ko-KR" altLang="en-US" dirty="0">
-              <a:solidFill>
-                <a:schemeClr val="tx1"/>
-              </a:solidFill>
-            </a:endParaRPr>
-          </a:p>
-        </p:txBody>
-      </p:sp>
-      <p:sp>
-        <p:nvSpPr>
           <p:cNvPr id="3" name="TextBox 2">
             <a:extLst>
               <a:ext uri="{FF2B5EF4-FFF2-40B4-BE49-F238E27FC236}">
@@ -34824,77 +35455,6 @@
       </p:cxnSp>
       <p:sp>
         <p:nvSpPr>
-          <p:cNvPr id="27" name="직사각형 26"/>
-          <p:cNvSpPr/>
-          <p:nvPr/>
-        </p:nvSpPr>
-        <p:spPr>
-          <a:xfrm>
-            <a:off x="4929857" y="4682838"/>
-            <a:ext cx="1685639" cy="646545"/>
-          </a:xfrm>
-          <a:prstGeom prst="rect">
-            <a:avLst/>
-          </a:prstGeom>
-          <a:solidFill>
-            <a:schemeClr val="tx1"/>
-          </a:solidFill>
-          <a:ln>
-            <a:solidFill>
-              <a:schemeClr val="tx1"/>
-            </a:solidFill>
-          </a:ln>
-        </p:spPr>
-        <p:style>
-          <a:lnRef idx="2">
-            <a:schemeClr val="accent1">
-              <a:shade val="50000"/>
-            </a:schemeClr>
-          </a:lnRef>
-          <a:fillRef idx="1">
-            <a:schemeClr val="accent1"/>
-          </a:fillRef>
-          <a:effectRef idx="0">
-            <a:schemeClr val="accent1"/>
-          </a:effectRef>
-          <a:fontRef idx="minor">
-            <a:schemeClr val="lt1"/>
-          </a:fontRef>
-        </p:style>
-        <p:txBody>
-          <a:bodyPr rtlCol="0" anchor="ctr"/>
-          <a:lstStyle/>
-          <a:p>
-            <a:pPr algn="ctr"/>
-            <a:r>
-              <a:rPr lang="en-US" altLang="ko-KR" dirty="0" smtClean="0">
-                <a:solidFill>
-                  <a:srgbClr val="FFFF00"/>
-                </a:solidFill>
-              </a:rPr>
-              <a:t>3-dimensional</a:t>
-            </a:r>
-          </a:p>
-          <a:p>
-            <a:pPr algn="ctr"/>
-            <a:r>
-              <a:rPr lang="en-US" altLang="ko-KR" dirty="0" err="1" smtClean="0">
-                <a:solidFill>
-                  <a:srgbClr val="FFFF00"/>
-                </a:solidFill>
-              </a:rPr>
-              <a:t>tf.Tensor</a:t>
-            </a:r>
-            <a:endParaRPr lang="ko-KR" altLang="en-US" dirty="0">
-              <a:solidFill>
-                <a:srgbClr val="FFFF00"/>
-              </a:solidFill>
-            </a:endParaRPr>
-          </a:p>
-        </p:txBody>
-      </p:sp>
-      <p:sp>
-        <p:nvSpPr>
           <p:cNvPr id="31" name="직사각형 30"/>
           <p:cNvSpPr/>
           <p:nvPr/>
@@ -34982,8 +35542,8 @@
         </p:nvSpPr>
         <p:spPr>
           <a:xfrm>
-            <a:off x="2316190" y="5652071"/>
-            <a:ext cx="2754526" cy="369332"/>
+            <a:off x="3924765" y="5652655"/>
+            <a:ext cx="849041" cy="369332"/>
           </a:xfrm>
           <a:prstGeom prst="rect">
             <a:avLst/>
@@ -34997,32 +35557,145 @@
           <a:lstStyle/>
           <a:p>
             <a:r>
-              <a:rPr lang="ko-KR" altLang="en-US" dirty="0" smtClean="0">
-                <a:solidFill>
-                  <a:srgbClr val="FF0000"/>
-                </a:solidFill>
-              </a:rPr>
-              <a:t>한 스텝에 한 </a:t>
-            </a:r>
-            <a:r>
               <a:rPr lang="en-US" altLang="ko-KR" dirty="0" smtClean="0">
                 <a:solidFill>
                   <a:srgbClr val="FF0000"/>
                 </a:solidFill>
               </a:rPr>
-              <a:t>Batch </a:t>
-            </a:r>
-            <a:r>
-              <a:rPr lang="ko-KR" altLang="en-US" dirty="0" smtClean="0">
+              <a:t>Batch</a:t>
+            </a:r>
+          </a:p>
+        </p:txBody>
+      </p:sp>
+      <p:sp>
+        <p:nvSpPr>
+          <p:cNvPr id="17" name="직사각형 16"/>
+          <p:cNvSpPr/>
+          <p:nvPr/>
+        </p:nvSpPr>
+        <p:spPr>
+          <a:xfrm>
+            <a:off x="6128237" y="4273621"/>
+            <a:ext cx="2088575" cy="492459"/>
+          </a:xfrm>
+          <a:prstGeom prst="rect">
+            <a:avLst/>
+          </a:prstGeom>
+          <a:solidFill>
+            <a:schemeClr val="accent1">
+              <a:lumMod val="20000"/>
+              <a:lumOff val="80000"/>
+            </a:schemeClr>
+          </a:solidFill>
+          <a:ln>
+            <a:solidFill>
+              <a:schemeClr val="tx1"/>
+            </a:solidFill>
+          </a:ln>
+        </p:spPr>
+        <p:style>
+          <a:lnRef idx="2">
+            <a:schemeClr val="accent1">
+              <a:shade val="50000"/>
+            </a:schemeClr>
+          </a:lnRef>
+          <a:fillRef idx="1">
+            <a:schemeClr val="accent1"/>
+          </a:fillRef>
+          <a:effectRef idx="0">
+            <a:schemeClr val="accent1"/>
+          </a:effectRef>
+          <a:fontRef idx="minor">
+            <a:schemeClr val="lt1"/>
+          </a:fontRef>
+        </p:style>
+        <p:txBody>
+          <a:bodyPr rtlCol="0" anchor="ctr"/>
+          <a:lstStyle/>
+          <a:p>
+            <a:pPr algn="ctr"/>
+            <a:r>
+              <a:rPr lang="en-US" altLang="ko-KR" dirty="0" smtClean="0">
                 <a:solidFill>
-                  <a:srgbClr val="FF0000"/>
+                  <a:schemeClr val="tx1"/>
                 </a:solidFill>
               </a:rPr>
-              <a:t>씩</a:t>
-            </a:r>
-            <a:endParaRPr lang="en-US" altLang="ko-KR" dirty="0" smtClean="0">
+              <a:t>This is dataset</a:t>
+            </a:r>
+            <a:endParaRPr lang="ko-KR" altLang="en-US" dirty="0">
               <a:solidFill>
-                <a:srgbClr val="FF0000"/>
+                <a:schemeClr val="tx1"/>
+              </a:solidFill>
+            </a:endParaRPr>
+          </a:p>
+        </p:txBody>
+      </p:sp>
+      <p:sp>
+        <p:nvSpPr>
+          <p:cNvPr id="27" name="직사각형 26"/>
+          <p:cNvSpPr/>
+          <p:nvPr/>
+        </p:nvSpPr>
+        <p:spPr>
+          <a:xfrm>
+            <a:off x="4929857" y="4682838"/>
+            <a:ext cx="1685639" cy="646545"/>
+          </a:xfrm>
+          <a:prstGeom prst="rect">
+            <a:avLst/>
+          </a:prstGeom>
+          <a:solidFill>
+            <a:schemeClr val="tx1"/>
+          </a:solidFill>
+          <a:ln>
+            <a:solidFill>
+              <a:schemeClr val="tx1"/>
+            </a:solidFill>
+          </a:ln>
+        </p:spPr>
+        <p:style>
+          <a:lnRef idx="2">
+            <a:schemeClr val="accent1">
+              <a:shade val="50000"/>
+            </a:schemeClr>
+          </a:lnRef>
+          <a:fillRef idx="1">
+            <a:schemeClr val="accent1"/>
+          </a:fillRef>
+          <a:effectRef idx="0">
+            <a:schemeClr val="accent1"/>
+          </a:effectRef>
+          <a:fontRef idx="minor">
+            <a:schemeClr val="lt1"/>
+          </a:fontRef>
+        </p:style>
+        <p:txBody>
+          <a:bodyPr rtlCol="0" anchor="ctr"/>
+          <a:lstStyle/>
+          <a:p>
+            <a:pPr algn="ctr"/>
+            <a:r>
+              <a:rPr lang="en-US" altLang="ko-KR" dirty="0" smtClean="0">
+                <a:solidFill>
+                  <a:srgbClr val="FFFF00"/>
+                </a:solidFill>
+              </a:rPr>
+              <a:t>3-dimensional</a:t>
+            </a:r>
+          </a:p>
+          <a:p>
+            <a:pPr algn="ctr"/>
+            <a:r>
+              <a:rPr lang="en-US" altLang="ko-KR" dirty="0" err="1" smtClean="0">
+                <a:solidFill>
+                  <a:srgbClr val="FFFF00"/>
+                </a:solidFill>
+              </a:rPr>
+              <a:t>tf.Tensor</a:t>
+            </a:r>
+            <a:endParaRPr lang="ko-KR" altLang="en-US" dirty="0">
+              <a:solidFill>
+                <a:srgbClr val="FFFF00"/>
               </a:solidFill>
             </a:endParaRPr>
           </a:p>
